--- a/Parameter Estimation Works/SerhatServoAutoTune_RuzgemSetup/MATLAB_Disturbance_analysis_RuzgemData/FFT analysis - outcomes.pptx
+++ b/Parameter Estimation Works/SerhatServoAutoTune_RuzgemSetup/MATLAB_Disturbance_analysis_RuzgemData/FFT analysis - outcomes.pptx
@@ -10,15 +10,24 @@
     <p:sldId id="260" r:id="rId4"/>
     <p:sldId id="261" r:id="rId5"/>
     <p:sldId id="262" r:id="rId6"/>
-    <p:sldId id="259" r:id="rId7"/>
-    <p:sldId id="258" r:id="rId8"/>
-    <p:sldId id="269" r:id="rId9"/>
-    <p:sldId id="270" r:id="rId10"/>
-    <p:sldId id="263" r:id="rId11"/>
-    <p:sldId id="264" r:id="rId12"/>
-    <p:sldId id="268" r:id="rId13"/>
-    <p:sldId id="265" r:id="rId14"/>
-    <p:sldId id="266" r:id="rId15"/>
+    <p:sldId id="269" r:id="rId7"/>
+    <p:sldId id="270" r:id="rId8"/>
+    <p:sldId id="259" r:id="rId9"/>
+    <p:sldId id="271" r:id="rId10"/>
+    <p:sldId id="264" r:id="rId11"/>
+    <p:sldId id="268" r:id="rId12"/>
+    <p:sldId id="263" r:id="rId13"/>
+    <p:sldId id="272" r:id="rId14"/>
+    <p:sldId id="265" r:id="rId15"/>
+    <p:sldId id="266" r:id="rId16"/>
+    <p:sldId id="273" r:id="rId17"/>
+    <p:sldId id="274" r:id="rId18"/>
+    <p:sldId id="275" r:id="rId19"/>
+    <p:sldId id="276" r:id="rId20"/>
+    <p:sldId id="279" r:id="rId21"/>
+    <p:sldId id="278" r:id="rId22"/>
+    <p:sldId id="280" r:id="rId23"/>
+    <p:sldId id="281" r:id="rId24"/>
   </p:sldIdLst>
   <p:sldSz cx="9144000" cy="6858000" type="screen4x3"/>
   <p:notesSz cx="6858000" cy="9144000"/>
@@ -302,7 +311,7 @@
             <a:fld id="{D9F75050-0E15-4C5B-92B0-66D068882F1F}" type="datetimeFigureOut">
               <a:rPr lang="tr-TR" smtClean="0"/>
               <a:pPr/>
-              <a:t>27.04.2020</a:t>
+              <a:t>29.04.2020</a:t>
             </a:fld>
             <a:endParaRPr lang="tr-TR"/>
           </a:p>
@@ -469,7 +478,7 @@
             <a:fld id="{D9F75050-0E15-4C5B-92B0-66D068882F1F}" type="datetimeFigureOut">
               <a:rPr lang="tr-TR" smtClean="0"/>
               <a:pPr/>
-              <a:t>27.04.2020</a:t>
+              <a:t>29.04.2020</a:t>
             </a:fld>
             <a:endParaRPr lang="tr-TR"/>
           </a:p>
@@ -646,7 +655,7 @@
             <a:fld id="{D9F75050-0E15-4C5B-92B0-66D068882F1F}" type="datetimeFigureOut">
               <a:rPr lang="tr-TR" smtClean="0"/>
               <a:pPr/>
-              <a:t>27.04.2020</a:t>
+              <a:t>29.04.2020</a:t>
             </a:fld>
             <a:endParaRPr lang="tr-TR"/>
           </a:p>
@@ -813,7 +822,7 @@
             <a:fld id="{D9F75050-0E15-4C5B-92B0-66D068882F1F}" type="datetimeFigureOut">
               <a:rPr lang="tr-TR" smtClean="0"/>
               <a:pPr/>
-              <a:t>27.04.2020</a:t>
+              <a:t>29.04.2020</a:t>
             </a:fld>
             <a:endParaRPr lang="tr-TR"/>
           </a:p>
@@ -1056,7 +1065,7 @@
             <a:fld id="{D9F75050-0E15-4C5B-92B0-66D068882F1F}" type="datetimeFigureOut">
               <a:rPr lang="tr-TR" smtClean="0"/>
               <a:pPr/>
-              <a:t>27.04.2020</a:t>
+              <a:t>29.04.2020</a:t>
             </a:fld>
             <a:endParaRPr lang="tr-TR"/>
           </a:p>
@@ -1341,7 +1350,7 @@
             <a:fld id="{D9F75050-0E15-4C5B-92B0-66D068882F1F}" type="datetimeFigureOut">
               <a:rPr lang="tr-TR" smtClean="0"/>
               <a:pPr/>
-              <a:t>27.04.2020</a:t>
+              <a:t>29.04.2020</a:t>
             </a:fld>
             <a:endParaRPr lang="tr-TR"/>
           </a:p>
@@ -1760,7 +1769,7 @@
             <a:fld id="{D9F75050-0E15-4C5B-92B0-66D068882F1F}" type="datetimeFigureOut">
               <a:rPr lang="tr-TR" smtClean="0"/>
               <a:pPr/>
-              <a:t>27.04.2020</a:t>
+              <a:t>29.04.2020</a:t>
             </a:fld>
             <a:endParaRPr lang="tr-TR"/>
           </a:p>
@@ -1875,7 +1884,7 @@
             <a:fld id="{D9F75050-0E15-4C5B-92B0-66D068882F1F}" type="datetimeFigureOut">
               <a:rPr lang="tr-TR" smtClean="0"/>
               <a:pPr/>
-              <a:t>27.04.2020</a:t>
+              <a:t>29.04.2020</a:t>
             </a:fld>
             <a:endParaRPr lang="tr-TR"/>
           </a:p>
@@ -1967,7 +1976,7 @@
             <a:fld id="{D9F75050-0E15-4C5B-92B0-66D068882F1F}" type="datetimeFigureOut">
               <a:rPr lang="tr-TR" smtClean="0"/>
               <a:pPr/>
-              <a:t>27.04.2020</a:t>
+              <a:t>29.04.2020</a:t>
             </a:fld>
             <a:endParaRPr lang="tr-TR"/>
           </a:p>
@@ -2241,7 +2250,7 @@
             <a:fld id="{D9F75050-0E15-4C5B-92B0-66D068882F1F}" type="datetimeFigureOut">
               <a:rPr lang="tr-TR" smtClean="0"/>
               <a:pPr/>
-              <a:t>27.04.2020</a:t>
+              <a:t>29.04.2020</a:t>
             </a:fld>
             <a:endParaRPr lang="tr-TR"/>
           </a:p>
@@ -2491,7 +2500,7 @@
             <a:fld id="{D9F75050-0E15-4C5B-92B0-66D068882F1F}" type="datetimeFigureOut">
               <a:rPr lang="tr-TR" smtClean="0"/>
               <a:pPr/>
-              <a:t>27.04.2020</a:t>
+              <a:t>29.04.2020</a:t>
             </a:fld>
             <a:endParaRPr lang="tr-TR"/>
           </a:p>
@@ -2701,7 +2710,7 @@
             <a:fld id="{D9F75050-0E15-4C5B-92B0-66D068882F1F}" type="datetimeFigureOut">
               <a:rPr lang="tr-TR" smtClean="0"/>
               <a:pPr/>
-              <a:t>27.04.2020</a:t>
+              <a:t>29.04.2020</a:t>
             </a:fld>
             <a:endParaRPr lang="tr-TR"/>
           </a:p>
@@ -3199,92 +3208,6 @@
         </p:nvSpPr>
         <p:spPr/>
         <p:txBody>
-          <a:bodyPr/>
-          <a:lstStyle/>
-          <a:p>
-            <a:r>
-              <a:rPr lang="tr-TR" dirty="0" smtClean="0"/>
-              <a:t>600rpm no </a:t>
-            </a:r>
-            <a:r>
-              <a:rPr lang="tr-TR" dirty="0" err="1" smtClean="0"/>
-              <a:t>load</a:t>
-            </a:r>
-            <a:endParaRPr lang="tr-TR" dirty="0"/>
-          </a:p>
-        </p:txBody>
-      </p:sp>
-      <p:pic>
-        <p:nvPicPr>
-          <p:cNvPr id="7170" name="Picture 2"/>
-          <p:cNvPicPr>
-            <a:picLocks noGrp="1" noChangeAspect="1" noChangeArrowheads="1"/>
-          </p:cNvPicPr>
-          <p:nvPr>
-            <p:ph idx="1"/>
-          </p:nvPr>
-        </p:nvPicPr>
-        <p:blipFill>
-          <a:blip r:embed="rId2" cstate="print"/>
-          <a:srcRect/>
-          <a:stretch>
-            <a:fillRect/>
-          </a:stretch>
-        </p:blipFill>
-        <p:spPr bwMode="auto">
-          <a:xfrm>
-            <a:off x="457200" y="1845668"/>
-            <a:ext cx="8229600" cy="4035026"/>
-          </a:xfrm>
-          <a:prstGeom prst="rect">
-            <a:avLst/>
-          </a:prstGeom>
-          <a:noFill/>
-          <a:ln w="9525">
-            <a:noFill/>
-            <a:miter lim="800000"/>
-            <a:headEnd/>
-            <a:tailEnd/>
-          </a:ln>
-        </p:spPr>
-      </p:pic>
-    </p:spTree>
-  </p:cSld>
-  <p:clrMapOvr>
-    <a:masterClrMapping/>
-  </p:clrMapOvr>
-</p:sld>
-</file>
-
-<file path=ppt/slides/slide11.xml><?xml version="1.0" encoding="utf-8"?>
-<p:sld xmlns:a="http://schemas.openxmlformats.org/drawingml/2006/main" xmlns:r="http://schemas.openxmlformats.org/officeDocument/2006/relationships" xmlns:p="http://schemas.openxmlformats.org/presentationml/2006/main">
-  <p:cSld>
-    <p:spTree>
-      <p:nvGrpSpPr>
-        <p:cNvPr id="1" name=""/>
-        <p:cNvGrpSpPr/>
-        <p:nvPr/>
-      </p:nvGrpSpPr>
-      <p:grpSpPr>
-        <a:xfrm>
-          <a:off x="0" y="0"/>
-          <a:ext cx="0" cy="0"/>
-          <a:chOff x="0" y="0"/>
-          <a:chExt cx="0" cy="0"/>
-        </a:xfrm>
-      </p:grpSpPr>
-      <p:sp>
-        <p:nvSpPr>
-          <p:cNvPr id="2" name="1 Başlık"/>
-          <p:cNvSpPr>
-            <a:spLocks noGrp="1"/>
-          </p:cNvSpPr>
-          <p:nvPr>
-            <p:ph type="title"/>
-          </p:nvPr>
-        </p:nvSpPr>
-        <p:spPr/>
-        <p:txBody>
           <a:bodyPr>
             <a:normAutofit fontScale="90000"/>
           </a:bodyPr>
@@ -3394,7 +3317,7 @@
 </p:sld>
 </file>
 
-<file path=ppt/slides/slide12.xml><?xml version="1.0" encoding="utf-8"?>
+<file path=ppt/slides/slide11.xml><?xml version="1.0" encoding="utf-8"?>
 <p:sld xmlns:a="http://schemas.openxmlformats.org/drawingml/2006/main" xmlns:r="http://schemas.openxmlformats.org/officeDocument/2006/relationships" xmlns:p="http://schemas.openxmlformats.org/presentationml/2006/main">
   <p:cSld>
     <p:spTree>
@@ -3638,6 +3561,92 @@
 </p:sld>
 </file>
 
+<file path=ppt/slides/slide12.xml><?xml version="1.0" encoding="utf-8"?>
+<p:sld xmlns:a="http://schemas.openxmlformats.org/drawingml/2006/main" xmlns:r="http://schemas.openxmlformats.org/officeDocument/2006/relationships" xmlns:p="http://schemas.openxmlformats.org/presentationml/2006/main">
+  <p:cSld>
+    <p:spTree>
+      <p:nvGrpSpPr>
+        <p:cNvPr id="1" name=""/>
+        <p:cNvGrpSpPr/>
+        <p:nvPr/>
+      </p:nvGrpSpPr>
+      <p:grpSpPr>
+        <a:xfrm>
+          <a:off x="0" y="0"/>
+          <a:ext cx="0" cy="0"/>
+          <a:chOff x="0" y="0"/>
+          <a:chExt cx="0" cy="0"/>
+        </a:xfrm>
+      </p:grpSpPr>
+      <p:sp>
+        <p:nvSpPr>
+          <p:cNvPr id="2" name="1 Başlık"/>
+          <p:cNvSpPr>
+            <a:spLocks noGrp="1"/>
+          </p:cNvSpPr>
+          <p:nvPr>
+            <p:ph type="title"/>
+          </p:nvPr>
+        </p:nvSpPr>
+        <p:spPr/>
+        <p:txBody>
+          <a:bodyPr/>
+          <a:lstStyle/>
+          <a:p>
+            <a:r>
+              <a:rPr lang="tr-TR" dirty="0" smtClean="0"/>
+              <a:t>600rpm no </a:t>
+            </a:r>
+            <a:r>
+              <a:rPr lang="tr-TR" dirty="0" err="1" smtClean="0"/>
+              <a:t>load</a:t>
+            </a:r>
+            <a:endParaRPr lang="tr-TR" dirty="0"/>
+          </a:p>
+        </p:txBody>
+      </p:sp>
+      <p:pic>
+        <p:nvPicPr>
+          <p:cNvPr id="3075" name="Picture 3"/>
+          <p:cNvPicPr>
+            <a:picLocks noGrp="1" noChangeAspect="1" noChangeArrowheads="1"/>
+          </p:cNvPicPr>
+          <p:nvPr>
+            <p:ph idx="1"/>
+          </p:nvPr>
+        </p:nvPicPr>
+        <p:blipFill>
+          <a:blip r:embed="rId2" cstate="print"/>
+          <a:srcRect/>
+          <a:stretch>
+            <a:fillRect/>
+          </a:stretch>
+        </p:blipFill>
+        <p:spPr bwMode="auto">
+          <a:xfrm>
+            <a:off x="457200" y="1862431"/>
+            <a:ext cx="8229600" cy="4001501"/>
+          </a:xfrm>
+          <a:prstGeom prst="rect">
+            <a:avLst/>
+          </a:prstGeom>
+          <a:noFill/>
+          <a:ln w="9525">
+            <a:noFill/>
+            <a:miter lim="800000"/>
+            <a:headEnd/>
+            <a:tailEnd/>
+          </a:ln>
+        </p:spPr>
+      </p:pic>
+    </p:spTree>
+  </p:cSld>
+  <p:clrMapOvr>
+    <a:masterClrMapping/>
+  </p:clrMapOvr>
+</p:sld>
+</file>
+
 <file path=ppt/slides/slide13.xml><?xml version="1.0" encoding="utf-8"?>
 <p:sld xmlns:a="http://schemas.openxmlformats.org/drawingml/2006/main" xmlns:r="http://schemas.openxmlformats.org/officeDocument/2006/relationships" xmlns:p="http://schemas.openxmlformats.org/presentationml/2006/main">
   <p:cSld>
@@ -3672,7 +3681,15 @@
           <a:p>
             <a:r>
               <a:rPr lang="tr-TR" dirty="0" smtClean="0"/>
-              <a:t>600rpm no </a:t>
+              <a:t>600 </a:t>
+            </a:r>
+            <a:r>
+              <a:rPr lang="tr-TR" dirty="0" err="1" smtClean="0"/>
+              <a:t>rpm</a:t>
+            </a:r>
+            <a:r>
+              <a:rPr lang="tr-TR" dirty="0" smtClean="0"/>
+              <a:t> no </a:t>
             </a:r>
             <a:r>
               <a:rPr lang="tr-TR" dirty="0" err="1" smtClean="0"/>
@@ -3680,11 +3697,7 @@
             </a:r>
             <a:r>
               <a:rPr lang="tr-TR" dirty="0" smtClean="0"/>
-              <a:t> + 2Nm </a:t>
-            </a:r>
-            <a:r>
-              <a:rPr lang="tr-TR" dirty="0" err="1" smtClean="0"/>
-              <a:t>pulse</a:t>
+              <a:t> – 0-55Hz</a:t>
             </a:r>
             <a:endParaRPr lang="tr-TR" dirty="0"/>
           </a:p>
@@ -3692,7 +3705,7 @@
       </p:sp>
       <p:pic>
         <p:nvPicPr>
-          <p:cNvPr id="9218" name="Picture 2"/>
+          <p:cNvPr id="4098" name="Picture 2"/>
           <p:cNvPicPr>
             <a:picLocks noGrp="1" noChangeAspect="1" noChangeArrowheads="1"/>
           </p:cNvPicPr>
@@ -3709,8 +3722,8 @@
         </p:blipFill>
         <p:spPr bwMode="auto">
           <a:xfrm>
-            <a:off x="457200" y="1848242"/>
-            <a:ext cx="8229600" cy="4029879"/>
+            <a:off x="1754395" y="1600200"/>
+            <a:ext cx="5635210" cy="4525963"/>
           </a:xfrm>
           <a:prstGeom prst="rect">
             <a:avLst/>
@@ -3780,6 +3793,100 @@
               <a:rPr lang="tr-TR" dirty="0" err="1" smtClean="0"/>
               <a:t>pulse</a:t>
             </a:r>
+            <a:endParaRPr lang="tr-TR" dirty="0"/>
+          </a:p>
+        </p:txBody>
+      </p:sp>
+      <p:pic>
+        <p:nvPicPr>
+          <p:cNvPr id="9218" name="Picture 2"/>
+          <p:cNvPicPr>
+            <a:picLocks noGrp="1" noChangeAspect="1" noChangeArrowheads="1"/>
+          </p:cNvPicPr>
+          <p:nvPr>
+            <p:ph idx="1"/>
+          </p:nvPr>
+        </p:nvPicPr>
+        <p:blipFill>
+          <a:blip r:embed="rId2" cstate="print"/>
+          <a:srcRect/>
+          <a:stretch>
+            <a:fillRect/>
+          </a:stretch>
+        </p:blipFill>
+        <p:spPr bwMode="auto">
+          <a:xfrm>
+            <a:off x="457200" y="1848242"/>
+            <a:ext cx="8229600" cy="4029879"/>
+          </a:xfrm>
+          <a:prstGeom prst="rect">
+            <a:avLst/>
+          </a:prstGeom>
+          <a:noFill/>
+          <a:ln w="9525">
+            <a:noFill/>
+            <a:miter lim="800000"/>
+            <a:headEnd/>
+            <a:tailEnd/>
+          </a:ln>
+        </p:spPr>
+      </p:pic>
+    </p:spTree>
+  </p:cSld>
+  <p:clrMapOvr>
+    <a:masterClrMapping/>
+  </p:clrMapOvr>
+</p:sld>
+</file>
+
+<file path=ppt/slides/slide15.xml><?xml version="1.0" encoding="utf-8"?>
+<p:sld xmlns:a="http://schemas.openxmlformats.org/drawingml/2006/main" xmlns:r="http://schemas.openxmlformats.org/officeDocument/2006/relationships" xmlns:p="http://schemas.openxmlformats.org/presentationml/2006/main">
+  <p:cSld>
+    <p:spTree>
+      <p:nvGrpSpPr>
+        <p:cNvPr id="1" name=""/>
+        <p:cNvGrpSpPr/>
+        <p:nvPr/>
+      </p:nvGrpSpPr>
+      <p:grpSpPr>
+        <a:xfrm>
+          <a:off x="0" y="0"/>
+          <a:ext cx="0" cy="0"/>
+          <a:chOff x="0" y="0"/>
+          <a:chExt cx="0" cy="0"/>
+        </a:xfrm>
+      </p:grpSpPr>
+      <p:sp>
+        <p:nvSpPr>
+          <p:cNvPr id="2" name="1 Başlık"/>
+          <p:cNvSpPr>
+            <a:spLocks noGrp="1"/>
+          </p:cNvSpPr>
+          <p:nvPr>
+            <p:ph type="title"/>
+          </p:nvPr>
+        </p:nvSpPr>
+        <p:spPr/>
+        <p:txBody>
+          <a:bodyPr/>
+          <a:lstStyle/>
+          <a:p>
+            <a:r>
+              <a:rPr lang="tr-TR" dirty="0" smtClean="0"/>
+              <a:t>600rpm no </a:t>
+            </a:r>
+            <a:r>
+              <a:rPr lang="tr-TR" dirty="0" err="1" smtClean="0"/>
+              <a:t>load</a:t>
+            </a:r>
+            <a:r>
+              <a:rPr lang="tr-TR" dirty="0" smtClean="0"/>
+              <a:t> + 2Nm </a:t>
+            </a:r>
+            <a:r>
+              <a:rPr lang="tr-TR" dirty="0" err="1" smtClean="0"/>
+              <a:t>pulse</a:t>
+            </a:r>
             <a:r>
               <a:rPr lang="tr-TR" dirty="0" smtClean="0"/>
               <a:t> </a:t>
@@ -3872,6 +3979,412 @@
           </a:p>
         </p:txBody>
       </p:sp>
+    </p:spTree>
+  </p:cSld>
+  <p:clrMapOvr>
+    <a:masterClrMapping/>
+  </p:clrMapOvr>
+</p:sld>
+</file>
+
+<file path=ppt/slides/slide16.xml><?xml version="1.0" encoding="utf-8"?>
+<p:sld xmlns:a="http://schemas.openxmlformats.org/drawingml/2006/main" xmlns:r="http://schemas.openxmlformats.org/officeDocument/2006/relationships" xmlns:p="http://schemas.openxmlformats.org/presentationml/2006/main">
+  <p:cSld>
+    <p:spTree>
+      <p:nvGrpSpPr>
+        <p:cNvPr id="1" name=""/>
+        <p:cNvGrpSpPr/>
+        <p:nvPr/>
+      </p:nvGrpSpPr>
+      <p:grpSpPr>
+        <a:xfrm>
+          <a:off x="0" y="0"/>
+          <a:ext cx="0" cy="0"/>
+          <a:chOff x="0" y="0"/>
+          <a:chExt cx="0" cy="0"/>
+        </a:xfrm>
+      </p:grpSpPr>
+      <p:sp>
+        <p:nvSpPr>
+          <p:cNvPr id="2" name="1 Başlık"/>
+          <p:cNvSpPr>
+            <a:spLocks noGrp="1"/>
+          </p:cNvSpPr>
+          <p:nvPr>
+            <p:ph type="title"/>
+          </p:nvPr>
+        </p:nvSpPr>
+        <p:spPr/>
+        <p:txBody>
+          <a:bodyPr/>
+          <a:lstStyle/>
+          <a:p>
+            <a:r>
+              <a:rPr lang="tr-TR" dirty="0" smtClean="0"/>
+              <a:t>600rpm no </a:t>
+            </a:r>
+            <a:r>
+              <a:rPr lang="tr-TR" dirty="0" err="1" smtClean="0"/>
+              <a:t>load</a:t>
+            </a:r>
+            <a:r>
+              <a:rPr lang="tr-TR" dirty="0" smtClean="0"/>
+              <a:t> + 2Nm </a:t>
+            </a:r>
+            <a:r>
+              <a:rPr lang="tr-TR" dirty="0" err="1" smtClean="0"/>
+              <a:t>pulse</a:t>
+            </a:r>
+            <a:endParaRPr lang="tr-TR" dirty="0"/>
+          </a:p>
+        </p:txBody>
+      </p:sp>
+      <p:pic>
+        <p:nvPicPr>
+          <p:cNvPr id="5122" name="Picture 2"/>
+          <p:cNvPicPr>
+            <a:picLocks noGrp="1" noChangeAspect="1" noChangeArrowheads="1"/>
+          </p:cNvPicPr>
+          <p:nvPr>
+            <p:ph idx="1"/>
+          </p:nvPr>
+        </p:nvPicPr>
+        <p:blipFill>
+          <a:blip r:embed="rId2" cstate="print"/>
+          <a:srcRect/>
+          <a:stretch>
+            <a:fillRect/>
+          </a:stretch>
+        </p:blipFill>
+        <p:spPr bwMode="auto">
+          <a:xfrm>
+            <a:off x="457200" y="1858535"/>
+            <a:ext cx="8229600" cy="4009292"/>
+          </a:xfrm>
+          <a:prstGeom prst="rect">
+            <a:avLst/>
+          </a:prstGeom>
+          <a:noFill/>
+          <a:ln w="9525">
+            <a:noFill/>
+            <a:miter lim="800000"/>
+            <a:headEnd/>
+            <a:tailEnd/>
+          </a:ln>
+        </p:spPr>
+      </p:pic>
+    </p:spTree>
+  </p:cSld>
+  <p:clrMapOvr>
+    <a:masterClrMapping/>
+  </p:clrMapOvr>
+</p:sld>
+</file>
+
+<file path=ppt/slides/slide17.xml><?xml version="1.0" encoding="utf-8"?>
+<p:sld xmlns:a="http://schemas.openxmlformats.org/drawingml/2006/main" xmlns:r="http://schemas.openxmlformats.org/officeDocument/2006/relationships" xmlns:p="http://schemas.openxmlformats.org/presentationml/2006/main">
+  <p:cSld>
+    <p:spTree>
+      <p:nvGrpSpPr>
+        <p:cNvPr id="1" name=""/>
+        <p:cNvGrpSpPr/>
+        <p:nvPr/>
+      </p:nvGrpSpPr>
+      <p:grpSpPr>
+        <a:xfrm>
+          <a:off x="0" y="0"/>
+          <a:ext cx="0" cy="0"/>
+          <a:chOff x="0" y="0"/>
+          <a:chExt cx="0" cy="0"/>
+        </a:xfrm>
+      </p:grpSpPr>
+      <p:sp>
+        <p:nvSpPr>
+          <p:cNvPr id="2" name="1 Başlık"/>
+          <p:cNvSpPr>
+            <a:spLocks noGrp="1"/>
+          </p:cNvSpPr>
+          <p:nvPr>
+            <p:ph type="title"/>
+          </p:nvPr>
+        </p:nvSpPr>
+        <p:spPr/>
+        <p:txBody>
+          <a:bodyPr>
+            <a:normAutofit fontScale="90000"/>
+          </a:bodyPr>
+          <a:lstStyle/>
+          <a:p>
+            <a:r>
+              <a:rPr lang="tr-TR" dirty="0" smtClean="0"/>
+              <a:t>600rpm no </a:t>
+            </a:r>
+            <a:r>
+              <a:rPr lang="tr-TR" dirty="0" err="1" smtClean="0"/>
+              <a:t>load</a:t>
+            </a:r>
+            <a:r>
+              <a:rPr lang="tr-TR" dirty="0" smtClean="0"/>
+              <a:t> + 2Nm </a:t>
+            </a:r>
+            <a:r>
+              <a:rPr lang="tr-TR" dirty="0" err="1" smtClean="0"/>
+              <a:t>pulse</a:t>
+            </a:r>
+            <a:r>
+              <a:rPr lang="tr-TR" dirty="0" smtClean="0"/>
+              <a:t> – 0-55Hz</a:t>
+            </a:r>
+            <a:endParaRPr lang="tr-TR" dirty="0"/>
+          </a:p>
+        </p:txBody>
+      </p:sp>
+      <p:pic>
+        <p:nvPicPr>
+          <p:cNvPr id="6146" name="Picture 2"/>
+          <p:cNvPicPr>
+            <a:picLocks noGrp="1" noChangeAspect="1" noChangeArrowheads="1"/>
+          </p:cNvPicPr>
+          <p:nvPr>
+            <p:ph idx="1"/>
+          </p:nvPr>
+        </p:nvPicPr>
+        <p:blipFill>
+          <a:blip r:embed="rId2" cstate="print"/>
+          <a:srcRect/>
+          <a:stretch>
+            <a:fillRect/>
+          </a:stretch>
+        </p:blipFill>
+        <p:spPr bwMode="auto">
+          <a:xfrm>
+            <a:off x="1795643" y="1600200"/>
+            <a:ext cx="5552713" cy="4525963"/>
+          </a:xfrm>
+          <a:prstGeom prst="rect">
+            <a:avLst/>
+          </a:prstGeom>
+          <a:noFill/>
+          <a:ln w="9525">
+            <a:noFill/>
+            <a:miter lim="800000"/>
+            <a:headEnd/>
+            <a:tailEnd/>
+          </a:ln>
+        </p:spPr>
+      </p:pic>
+    </p:spTree>
+  </p:cSld>
+  <p:clrMapOvr>
+    <a:masterClrMapping/>
+  </p:clrMapOvr>
+</p:sld>
+</file>
+
+<file path=ppt/slides/slide18.xml><?xml version="1.0" encoding="utf-8"?>
+<p:sld xmlns:a="http://schemas.openxmlformats.org/drawingml/2006/main" xmlns:r="http://schemas.openxmlformats.org/officeDocument/2006/relationships" xmlns:p="http://schemas.openxmlformats.org/presentationml/2006/main">
+  <p:cSld>
+    <p:spTree>
+      <p:nvGrpSpPr>
+        <p:cNvPr id="1" name=""/>
+        <p:cNvGrpSpPr/>
+        <p:nvPr/>
+      </p:nvGrpSpPr>
+      <p:grpSpPr>
+        <a:xfrm>
+          <a:off x="0" y="0"/>
+          <a:ext cx="0" cy="0"/>
+          <a:chOff x="0" y="0"/>
+          <a:chExt cx="0" cy="0"/>
+        </a:xfrm>
+      </p:grpSpPr>
+      <p:sp>
+        <p:nvSpPr>
+          <p:cNvPr id="2" name="1 Başlık"/>
+          <p:cNvSpPr>
+            <a:spLocks noGrp="1"/>
+          </p:cNvSpPr>
+          <p:nvPr>
+            <p:ph type="title"/>
+          </p:nvPr>
+        </p:nvSpPr>
+        <p:spPr/>
+        <p:txBody>
+          <a:bodyPr>
+            <a:normAutofit fontScale="90000"/>
+          </a:bodyPr>
+          <a:lstStyle/>
+          <a:p>
+            <a:r>
+              <a:rPr lang="tr-TR" dirty="0" smtClean="0"/>
+              <a:t>600rpm no </a:t>
+            </a:r>
+            <a:r>
+              <a:rPr lang="tr-TR" dirty="0" err="1" smtClean="0"/>
+              <a:t>load</a:t>
+            </a:r>
+            <a:r>
+              <a:rPr lang="tr-TR" dirty="0" smtClean="0"/>
+              <a:t> + </a:t>
+            </a:r>
+            <a:r>
+              <a:rPr lang="tr-TR" dirty="0" smtClean="0"/>
+              <a:t>4 </a:t>
+            </a:r>
+            <a:r>
+              <a:rPr lang="tr-TR" dirty="0" err="1" smtClean="0"/>
+              <a:t>pieces</a:t>
+            </a:r>
+            <a:r>
+              <a:rPr lang="tr-TR" dirty="0" smtClean="0"/>
+              <a:t> 2Nm </a:t>
+            </a:r>
+            <a:r>
+              <a:rPr lang="tr-TR" dirty="0" err="1" smtClean="0"/>
+              <a:t>pulse</a:t>
+            </a:r>
+            <a:endParaRPr lang="tr-TR" dirty="0"/>
+          </a:p>
+        </p:txBody>
+      </p:sp>
+      <p:pic>
+        <p:nvPicPr>
+          <p:cNvPr id="7171" name="Picture 3"/>
+          <p:cNvPicPr>
+            <a:picLocks noGrp="1" noChangeAspect="1" noChangeArrowheads="1"/>
+          </p:cNvPicPr>
+          <p:nvPr>
+            <p:ph idx="1"/>
+          </p:nvPr>
+        </p:nvPicPr>
+        <p:blipFill>
+          <a:blip r:embed="rId2" cstate="print"/>
+          <a:srcRect/>
+          <a:stretch>
+            <a:fillRect/>
+          </a:stretch>
+        </p:blipFill>
+        <p:spPr bwMode="auto">
+          <a:xfrm>
+            <a:off x="457200" y="1847084"/>
+            <a:ext cx="8229600" cy="4032194"/>
+          </a:xfrm>
+          <a:prstGeom prst="rect">
+            <a:avLst/>
+          </a:prstGeom>
+          <a:noFill/>
+          <a:ln w="9525">
+            <a:noFill/>
+            <a:miter lim="800000"/>
+            <a:headEnd/>
+            <a:tailEnd/>
+          </a:ln>
+        </p:spPr>
+      </p:pic>
+    </p:spTree>
+  </p:cSld>
+  <p:clrMapOvr>
+    <a:masterClrMapping/>
+  </p:clrMapOvr>
+</p:sld>
+</file>
+
+<file path=ppt/slides/slide19.xml><?xml version="1.0" encoding="utf-8"?>
+<p:sld xmlns:a="http://schemas.openxmlformats.org/drawingml/2006/main" xmlns:r="http://schemas.openxmlformats.org/officeDocument/2006/relationships" xmlns:p="http://schemas.openxmlformats.org/presentationml/2006/main">
+  <p:cSld>
+    <p:spTree>
+      <p:nvGrpSpPr>
+        <p:cNvPr id="1" name=""/>
+        <p:cNvGrpSpPr/>
+        <p:nvPr/>
+      </p:nvGrpSpPr>
+      <p:grpSpPr>
+        <a:xfrm>
+          <a:off x="0" y="0"/>
+          <a:ext cx="0" cy="0"/>
+          <a:chOff x="0" y="0"/>
+          <a:chExt cx="0" cy="0"/>
+        </a:xfrm>
+      </p:grpSpPr>
+      <p:sp>
+        <p:nvSpPr>
+          <p:cNvPr id="2" name="1 Başlık"/>
+          <p:cNvSpPr>
+            <a:spLocks noGrp="1"/>
+          </p:cNvSpPr>
+          <p:nvPr>
+            <p:ph type="title"/>
+          </p:nvPr>
+        </p:nvSpPr>
+        <p:spPr/>
+        <p:txBody>
+          <a:bodyPr>
+            <a:normAutofit fontScale="90000"/>
+          </a:bodyPr>
+          <a:lstStyle/>
+          <a:p>
+            <a:r>
+              <a:rPr lang="tr-TR" dirty="0" smtClean="0"/>
+              <a:t>600rpm no </a:t>
+            </a:r>
+            <a:r>
+              <a:rPr lang="tr-TR" dirty="0" err="1" smtClean="0"/>
+              <a:t>load</a:t>
+            </a:r>
+            <a:r>
+              <a:rPr lang="tr-TR" dirty="0" smtClean="0"/>
+              <a:t> + 4 </a:t>
+            </a:r>
+            <a:r>
+              <a:rPr lang="tr-TR" dirty="0" err="1" smtClean="0"/>
+              <a:t>pieces</a:t>
+            </a:r>
+            <a:r>
+              <a:rPr lang="tr-TR" dirty="0" smtClean="0"/>
+              <a:t> 2Nm </a:t>
+            </a:r>
+            <a:r>
+              <a:rPr lang="tr-TR" dirty="0" err="1" smtClean="0"/>
+              <a:t>pulse</a:t>
+            </a:r>
+            <a:endParaRPr lang="tr-TR" dirty="0"/>
+          </a:p>
+        </p:txBody>
+      </p:sp>
+      <p:pic>
+        <p:nvPicPr>
+          <p:cNvPr id="8194" name="Picture 2"/>
+          <p:cNvPicPr>
+            <a:picLocks noGrp="1" noChangeAspect="1" noChangeArrowheads="1"/>
+          </p:cNvPicPr>
+          <p:nvPr>
+            <p:ph idx="1"/>
+          </p:nvPr>
+        </p:nvPicPr>
+        <p:blipFill>
+          <a:blip r:embed="rId2" cstate="print"/>
+          <a:srcRect/>
+          <a:stretch>
+            <a:fillRect/>
+          </a:stretch>
+        </p:blipFill>
+        <p:spPr bwMode="auto">
+          <a:xfrm>
+            <a:off x="1817323" y="1600200"/>
+            <a:ext cx="5509353" cy="4525963"/>
+          </a:xfrm>
+          <a:prstGeom prst="rect">
+            <a:avLst/>
+          </a:prstGeom>
+          <a:noFill/>
+          <a:ln w="9525">
+            <a:noFill/>
+            <a:miter lim="800000"/>
+            <a:headEnd/>
+            <a:tailEnd/>
+          </a:ln>
+        </p:spPr>
+      </p:pic>
     </p:spTree>
   </p:cSld>
   <p:clrMapOvr>
@@ -3962,6 +4475,546 @@
 </p:sld>
 </file>
 
+<file path=ppt/slides/slide20.xml><?xml version="1.0" encoding="utf-8"?>
+<p:sld xmlns:a="http://schemas.openxmlformats.org/drawingml/2006/main" xmlns:r="http://schemas.openxmlformats.org/officeDocument/2006/relationships" xmlns:p="http://schemas.openxmlformats.org/presentationml/2006/main">
+  <p:cSld>
+    <p:spTree>
+      <p:nvGrpSpPr>
+        <p:cNvPr id="1" name=""/>
+        <p:cNvGrpSpPr/>
+        <p:nvPr/>
+      </p:nvGrpSpPr>
+      <p:grpSpPr>
+        <a:xfrm>
+          <a:off x="0" y="0"/>
+          <a:ext cx="0" cy="0"/>
+          <a:chOff x="0" y="0"/>
+          <a:chExt cx="0" cy="0"/>
+        </a:xfrm>
+      </p:grpSpPr>
+      <p:sp>
+        <p:nvSpPr>
+          <p:cNvPr id="3" name="2 Metin Yer Tutucusu"/>
+          <p:cNvSpPr>
+            <a:spLocks noGrp="1"/>
+          </p:cNvSpPr>
+          <p:nvPr>
+            <p:ph type="body" idx="1"/>
+          </p:nvPr>
+        </p:nvSpPr>
+        <p:spPr>
+          <a:xfrm>
+            <a:off x="7308304" y="3140968"/>
+            <a:ext cx="1835696" cy="639762"/>
+          </a:xfrm>
+        </p:spPr>
+        <p:txBody>
+          <a:bodyPr>
+            <a:normAutofit fontScale="85000" lnSpcReduction="20000"/>
+          </a:bodyPr>
+          <a:lstStyle/>
+          <a:p>
+            <a:r>
+              <a:rPr lang="tr-TR" dirty="0" smtClean="0"/>
+              <a:t>600rpm+1piece 2Nm </a:t>
+            </a:r>
+            <a:r>
+              <a:rPr lang="tr-TR" dirty="0" err="1" smtClean="0"/>
+              <a:t>pulse</a:t>
+            </a:r>
+            <a:endParaRPr lang="tr-TR" dirty="0"/>
+          </a:p>
+        </p:txBody>
+      </p:sp>
+      <p:sp>
+        <p:nvSpPr>
+          <p:cNvPr id="5" name="4 Metin Yer Tutucusu"/>
+          <p:cNvSpPr>
+            <a:spLocks noGrp="1"/>
+          </p:cNvSpPr>
+          <p:nvPr>
+            <p:ph type="body" sz="quarter" idx="3"/>
+          </p:nvPr>
+        </p:nvSpPr>
+        <p:spPr>
+          <a:xfrm>
+            <a:off x="7271792" y="5229200"/>
+            <a:ext cx="1872208" cy="639762"/>
+          </a:xfrm>
+        </p:spPr>
+        <p:txBody>
+          <a:bodyPr>
+            <a:normAutofit fontScale="85000" lnSpcReduction="20000"/>
+          </a:bodyPr>
+          <a:lstStyle/>
+          <a:p>
+            <a:r>
+              <a:rPr lang="tr-TR" dirty="0" smtClean="0"/>
+              <a:t>600rpm+4piece 2Nm </a:t>
+            </a:r>
+            <a:r>
+              <a:rPr lang="tr-TR" dirty="0" err="1" smtClean="0"/>
+              <a:t>pulse</a:t>
+            </a:r>
+            <a:endParaRPr lang="tr-TR" dirty="0"/>
+          </a:p>
+        </p:txBody>
+      </p:sp>
+      <p:pic>
+        <p:nvPicPr>
+          <p:cNvPr id="9218" name="Picture 2"/>
+          <p:cNvPicPr>
+            <a:picLocks noGrp="1" noChangeAspect="1" noChangeArrowheads="1"/>
+          </p:cNvPicPr>
+          <p:nvPr>
+            <p:ph sz="quarter" idx="4"/>
+          </p:nvPr>
+        </p:nvPicPr>
+        <p:blipFill>
+          <a:blip r:embed="rId2" cstate="print"/>
+          <a:srcRect/>
+          <a:stretch>
+            <a:fillRect/>
+          </a:stretch>
+        </p:blipFill>
+        <p:spPr bwMode="auto">
+          <a:xfrm>
+            <a:off x="87320" y="4581128"/>
+            <a:ext cx="7004960" cy="2204864"/>
+          </a:xfrm>
+          <a:prstGeom prst="rect">
+            <a:avLst/>
+          </a:prstGeom>
+          <a:noFill/>
+          <a:ln w="9525">
+            <a:noFill/>
+            <a:miter lim="800000"/>
+            <a:headEnd/>
+            <a:tailEnd/>
+          </a:ln>
+        </p:spPr>
+      </p:pic>
+      <p:pic>
+        <p:nvPicPr>
+          <p:cNvPr id="9219" name="Picture 3"/>
+          <p:cNvPicPr>
+            <a:picLocks noGrp="1" noChangeAspect="1" noChangeArrowheads="1"/>
+          </p:cNvPicPr>
+          <p:nvPr>
+            <p:ph sz="half" idx="2"/>
+          </p:nvPr>
+        </p:nvPicPr>
+        <p:blipFill>
+          <a:blip r:embed="rId3" cstate="print"/>
+          <a:srcRect/>
+          <a:stretch>
+            <a:fillRect/>
+          </a:stretch>
+        </p:blipFill>
+        <p:spPr bwMode="auto">
+          <a:xfrm>
+            <a:off x="72009" y="2348880"/>
+            <a:ext cx="7020271" cy="2204936"/>
+          </a:xfrm>
+          <a:prstGeom prst="rect">
+            <a:avLst/>
+          </a:prstGeom>
+          <a:noFill/>
+          <a:ln w="9525">
+            <a:noFill/>
+            <a:miter lim="800000"/>
+            <a:headEnd/>
+            <a:tailEnd/>
+          </a:ln>
+        </p:spPr>
+      </p:pic>
+      <p:pic>
+        <p:nvPicPr>
+          <p:cNvPr id="9220" name="Picture 4"/>
+          <p:cNvPicPr>
+            <a:picLocks noChangeAspect="1" noChangeArrowheads="1"/>
+          </p:cNvPicPr>
+          <p:nvPr/>
+        </p:nvPicPr>
+        <p:blipFill>
+          <a:blip r:embed="rId4" cstate="print"/>
+          <a:srcRect/>
+          <a:stretch>
+            <a:fillRect/>
+          </a:stretch>
+        </p:blipFill>
+        <p:spPr bwMode="auto">
+          <a:xfrm>
+            <a:off x="103579" y="72008"/>
+            <a:ext cx="6988701" cy="2204864"/>
+          </a:xfrm>
+          <a:prstGeom prst="rect">
+            <a:avLst/>
+          </a:prstGeom>
+          <a:noFill/>
+          <a:ln w="9525">
+            <a:noFill/>
+            <a:miter lim="800000"/>
+            <a:headEnd/>
+            <a:tailEnd/>
+          </a:ln>
+        </p:spPr>
+      </p:pic>
+      <p:sp>
+        <p:nvSpPr>
+          <p:cNvPr id="11" name="2 Metin Yer Tutucusu"/>
+          <p:cNvSpPr txBox="1">
+            <a:spLocks/>
+          </p:cNvSpPr>
+          <p:nvPr/>
+        </p:nvSpPr>
+        <p:spPr>
+          <a:xfrm>
+            <a:off x="7308304" y="908720"/>
+            <a:ext cx="1835696" cy="639762"/>
+          </a:xfrm>
+          <a:prstGeom prst="rect">
+            <a:avLst/>
+          </a:prstGeom>
+        </p:spPr>
+        <p:txBody>
+          <a:bodyPr vert="horz" lIns="91440" tIns="45720" rIns="91440" bIns="45720" rtlCol="0" anchor="b">
+            <a:normAutofit fontScale="77500" lnSpcReduction="20000"/>
+          </a:bodyPr>
+          <a:lstStyle/>
+          <a:p>
+            <a:pPr marL="0" marR="0" lvl="0" indent="0" algn="l" defTabSz="914400" rtl="0" eaLnBrk="1" fontAlgn="auto" latinLnBrk="0" hangingPunct="1">
+              <a:lnSpc>
+                <a:spcPct val="100000"/>
+              </a:lnSpc>
+              <a:spcBef>
+                <a:spcPct val="20000"/>
+              </a:spcBef>
+              <a:spcAft>
+                <a:spcPts val="0"/>
+              </a:spcAft>
+              <a:buClrTx/>
+              <a:buSzTx/>
+              <a:buFont typeface="Arial" pitchFamily="34" charset="0"/>
+              <a:buNone/>
+              <a:tabLst/>
+              <a:defRPr/>
+            </a:pPr>
+            <a:r>
+              <a:rPr kumimoji="0" lang="tr-TR" sz="2400" b="1" i="0" u="none" strike="noStrike" kern="1200" cap="none" spc="0" normalizeH="0" baseline="0" noProof="0" dirty="0" smtClean="0">
+                <a:ln>
+                  <a:noFill/>
+                </a:ln>
+                <a:solidFill>
+                  <a:schemeClr val="tx1"/>
+                </a:solidFill>
+                <a:effectLst/>
+                <a:uLnTx/>
+                <a:uFillTx/>
+                <a:latin typeface="+mn-lt"/>
+                <a:ea typeface="+mn-ea"/>
+                <a:cs typeface="+mn-cs"/>
+              </a:rPr>
+              <a:t>600rpm</a:t>
+            </a:r>
+          </a:p>
+          <a:p>
+            <a:pPr marL="0" marR="0" lvl="0" indent="0" algn="l" defTabSz="914400" rtl="0" eaLnBrk="1" fontAlgn="auto" latinLnBrk="0" hangingPunct="1">
+              <a:lnSpc>
+                <a:spcPct val="100000"/>
+              </a:lnSpc>
+              <a:spcBef>
+                <a:spcPct val="20000"/>
+              </a:spcBef>
+              <a:spcAft>
+                <a:spcPts val="0"/>
+              </a:spcAft>
+              <a:buClrTx/>
+              <a:buSzTx/>
+              <a:buFont typeface="Arial" pitchFamily="34" charset="0"/>
+              <a:buNone/>
+              <a:tabLst/>
+              <a:defRPr/>
+            </a:pPr>
+            <a:r>
+              <a:rPr lang="tr-TR" sz="2400" b="1" dirty="0" smtClean="0"/>
+              <a:t>No </a:t>
+            </a:r>
+            <a:r>
+              <a:rPr lang="tr-TR" sz="2400" b="1" dirty="0" err="1" smtClean="0"/>
+              <a:t>load</a:t>
+            </a:r>
+            <a:endParaRPr kumimoji="0" lang="tr-TR" sz="2400" b="1" i="0" u="none" strike="noStrike" kern="1200" cap="none" spc="0" normalizeH="0" baseline="0" noProof="0" dirty="0">
+              <a:ln>
+                <a:noFill/>
+              </a:ln>
+              <a:solidFill>
+                <a:schemeClr val="tx1"/>
+              </a:solidFill>
+              <a:effectLst/>
+              <a:uLnTx/>
+              <a:uFillTx/>
+              <a:latin typeface="+mn-lt"/>
+              <a:ea typeface="+mn-ea"/>
+              <a:cs typeface="+mn-cs"/>
+            </a:endParaRPr>
+          </a:p>
+        </p:txBody>
+      </p:sp>
+    </p:spTree>
+  </p:cSld>
+  <p:clrMapOvr>
+    <a:masterClrMapping/>
+  </p:clrMapOvr>
+</p:sld>
+</file>
+
+<file path=ppt/slides/slide21.xml><?xml version="1.0" encoding="utf-8"?>
+<p:sld xmlns:a="http://schemas.openxmlformats.org/drawingml/2006/main" xmlns:r="http://schemas.openxmlformats.org/officeDocument/2006/relationships" xmlns:p="http://schemas.openxmlformats.org/presentationml/2006/main">
+  <p:cSld>
+    <p:spTree>
+      <p:nvGrpSpPr>
+        <p:cNvPr id="1" name=""/>
+        <p:cNvGrpSpPr/>
+        <p:nvPr/>
+      </p:nvGrpSpPr>
+      <p:grpSpPr>
+        <a:xfrm>
+          <a:off x="0" y="0"/>
+          <a:ext cx="0" cy="0"/>
+          <a:chOff x="0" y="0"/>
+          <a:chExt cx="0" cy="0"/>
+        </a:xfrm>
+      </p:grpSpPr>
+      <p:sp>
+        <p:nvSpPr>
+          <p:cNvPr id="2" name="1 Başlık"/>
+          <p:cNvSpPr>
+            <a:spLocks noGrp="1"/>
+          </p:cNvSpPr>
+          <p:nvPr>
+            <p:ph type="title"/>
+          </p:nvPr>
+        </p:nvSpPr>
+        <p:spPr/>
+        <p:txBody>
+          <a:bodyPr/>
+          <a:lstStyle/>
+          <a:p>
+            <a:r>
+              <a:rPr lang="tr-TR" dirty="0" smtClean="0"/>
+              <a:t>600rpm-590rpm 1sec-600rpm</a:t>
+            </a:r>
+            <a:endParaRPr lang="tr-TR" dirty="0"/>
+          </a:p>
+        </p:txBody>
+      </p:sp>
+      <p:pic>
+        <p:nvPicPr>
+          <p:cNvPr id="10242" name="Picture 2"/>
+          <p:cNvPicPr>
+            <a:picLocks noGrp="1" noChangeAspect="1" noChangeArrowheads="1"/>
+          </p:cNvPicPr>
+          <p:nvPr>
+            <p:ph sz="half" idx="1"/>
+          </p:nvPr>
+        </p:nvPicPr>
+        <p:blipFill>
+          <a:blip r:embed="rId2" cstate="print"/>
+          <a:srcRect/>
+          <a:stretch>
+            <a:fillRect/>
+          </a:stretch>
+        </p:blipFill>
+        <p:spPr bwMode="auto">
+          <a:xfrm>
+            <a:off x="755576" y="1340768"/>
+            <a:ext cx="7488832" cy="5356113"/>
+          </a:xfrm>
+          <a:prstGeom prst="rect">
+            <a:avLst/>
+          </a:prstGeom>
+          <a:noFill/>
+          <a:ln w="9525">
+            <a:noFill/>
+            <a:miter lim="800000"/>
+            <a:headEnd/>
+            <a:tailEnd/>
+          </a:ln>
+        </p:spPr>
+      </p:pic>
+    </p:spTree>
+  </p:cSld>
+  <p:clrMapOvr>
+    <a:masterClrMapping/>
+  </p:clrMapOvr>
+</p:sld>
+</file>
+
+<file path=ppt/slides/slide22.xml><?xml version="1.0" encoding="utf-8"?>
+<p:sld xmlns:a="http://schemas.openxmlformats.org/drawingml/2006/main" xmlns:r="http://schemas.openxmlformats.org/officeDocument/2006/relationships" xmlns:p="http://schemas.openxmlformats.org/presentationml/2006/main">
+  <p:cSld>
+    <p:spTree>
+      <p:nvGrpSpPr>
+        <p:cNvPr id="1" name=""/>
+        <p:cNvGrpSpPr/>
+        <p:nvPr/>
+      </p:nvGrpSpPr>
+      <p:grpSpPr>
+        <a:xfrm>
+          <a:off x="0" y="0"/>
+          <a:ext cx="0" cy="0"/>
+          <a:chOff x="0" y="0"/>
+          <a:chExt cx="0" cy="0"/>
+        </a:xfrm>
+      </p:grpSpPr>
+      <p:sp>
+        <p:nvSpPr>
+          <p:cNvPr id="2" name="1 Başlık"/>
+          <p:cNvSpPr>
+            <a:spLocks noGrp="1"/>
+          </p:cNvSpPr>
+          <p:nvPr>
+            <p:ph type="title"/>
+          </p:nvPr>
+        </p:nvSpPr>
+        <p:spPr/>
+        <p:txBody>
+          <a:bodyPr/>
+          <a:lstStyle/>
+          <a:p>
+            <a:endParaRPr lang="tr-TR"/>
+          </a:p>
+        </p:txBody>
+      </p:sp>
+      <p:sp>
+        <p:nvSpPr>
+          <p:cNvPr id="3" name="2 İçerik Yer Tutucusu"/>
+          <p:cNvSpPr>
+            <a:spLocks noGrp="1"/>
+          </p:cNvSpPr>
+          <p:nvPr>
+            <p:ph sz="half" idx="1"/>
+          </p:nvPr>
+        </p:nvSpPr>
+        <p:spPr/>
+        <p:txBody>
+          <a:bodyPr/>
+          <a:lstStyle/>
+          <a:p>
+            <a:endParaRPr lang="tr-TR"/>
+          </a:p>
+        </p:txBody>
+      </p:sp>
+      <p:sp>
+        <p:nvSpPr>
+          <p:cNvPr id="4" name="3 İçerik Yer Tutucusu"/>
+          <p:cNvSpPr>
+            <a:spLocks noGrp="1"/>
+          </p:cNvSpPr>
+          <p:nvPr>
+            <p:ph sz="half" idx="2"/>
+          </p:nvPr>
+        </p:nvSpPr>
+        <p:spPr/>
+        <p:txBody>
+          <a:bodyPr/>
+          <a:lstStyle/>
+          <a:p>
+            <a:endParaRPr lang="tr-TR"/>
+          </a:p>
+        </p:txBody>
+      </p:sp>
+    </p:spTree>
+  </p:cSld>
+  <p:clrMapOvr>
+    <a:masterClrMapping/>
+  </p:clrMapOvr>
+</p:sld>
+</file>
+
+<file path=ppt/slides/slide23.xml><?xml version="1.0" encoding="utf-8"?>
+<p:sld xmlns:a="http://schemas.openxmlformats.org/drawingml/2006/main" xmlns:r="http://schemas.openxmlformats.org/officeDocument/2006/relationships" xmlns:p="http://schemas.openxmlformats.org/presentationml/2006/main">
+  <p:cSld>
+    <p:spTree>
+      <p:nvGrpSpPr>
+        <p:cNvPr id="1" name=""/>
+        <p:cNvGrpSpPr/>
+        <p:nvPr/>
+      </p:nvGrpSpPr>
+      <p:grpSpPr>
+        <a:xfrm>
+          <a:off x="0" y="0"/>
+          <a:ext cx="0" cy="0"/>
+          <a:chOff x="0" y="0"/>
+          <a:chExt cx="0" cy="0"/>
+        </a:xfrm>
+      </p:grpSpPr>
+      <p:sp>
+        <p:nvSpPr>
+          <p:cNvPr id="2" name="1 Başlık"/>
+          <p:cNvSpPr>
+            <a:spLocks noGrp="1"/>
+          </p:cNvSpPr>
+          <p:nvPr>
+            <p:ph type="title"/>
+          </p:nvPr>
+        </p:nvSpPr>
+        <p:spPr/>
+        <p:txBody>
+          <a:bodyPr/>
+          <a:lstStyle/>
+          <a:p>
+            <a:endParaRPr lang="tr-TR"/>
+          </a:p>
+        </p:txBody>
+      </p:sp>
+      <p:sp>
+        <p:nvSpPr>
+          <p:cNvPr id="3" name="2 İçerik Yer Tutucusu"/>
+          <p:cNvSpPr>
+            <a:spLocks noGrp="1"/>
+          </p:cNvSpPr>
+          <p:nvPr>
+            <p:ph sz="half" idx="1"/>
+          </p:nvPr>
+        </p:nvSpPr>
+        <p:spPr/>
+        <p:txBody>
+          <a:bodyPr/>
+          <a:lstStyle/>
+          <a:p>
+            <a:endParaRPr lang="tr-TR"/>
+          </a:p>
+        </p:txBody>
+      </p:sp>
+      <p:sp>
+        <p:nvSpPr>
+          <p:cNvPr id="4" name="3 İçerik Yer Tutucusu"/>
+          <p:cNvSpPr>
+            <a:spLocks noGrp="1"/>
+          </p:cNvSpPr>
+          <p:nvPr>
+            <p:ph sz="half" idx="2"/>
+          </p:nvPr>
+        </p:nvSpPr>
+        <p:spPr/>
+        <p:txBody>
+          <a:bodyPr/>
+          <a:lstStyle/>
+          <a:p>
+            <a:endParaRPr lang="tr-TR"/>
+          </a:p>
+        </p:txBody>
+      </p:sp>
+    </p:spTree>
+  </p:cSld>
+  <p:clrMapOvr>
+    <a:masterClrMapping/>
+  </p:clrMapOvr>
+</p:sld>
+</file>
+
 <file path=ppt/slides/slide3.xml><?xml version="1.0" encoding="utf-8"?>
 <p:sld xmlns:a="http://schemas.openxmlformats.org/drawingml/2006/main" xmlns:r="http://schemas.openxmlformats.org/officeDocument/2006/relationships" xmlns:p="http://schemas.openxmlformats.org/presentationml/2006/main">
   <p:cSld>
@@ -3989,7 +5042,12 @@
             <p:ph type="title"/>
           </p:nvPr>
         </p:nvSpPr>
-        <p:spPr/>
+        <p:spPr>
+          <a:xfrm>
+            <a:off x="467544" y="0"/>
+            <a:ext cx="8229600" cy="1143000"/>
+          </a:xfrm>
+        </p:spPr>
         <p:txBody>
           <a:bodyPr/>
           <a:lstStyle/>
@@ -4021,8 +5079,8 @@
         </p:blipFill>
         <p:spPr bwMode="auto">
           <a:xfrm>
-            <a:off x="457200" y="1813584"/>
-            <a:ext cx="8229600" cy="4099194"/>
+            <a:off x="457200" y="908720"/>
+            <a:ext cx="8229600" cy="5760640"/>
           </a:xfrm>
           <a:prstGeom prst="rect">
             <a:avLst/>
@@ -4290,7 +5348,7 @@
             </a:r>
             <a:r>
               <a:rPr lang="tr-TR" dirty="0" err="1" smtClean="0"/>
-              <a:t>Driver</a:t>
+              <a:t>driver</a:t>
             </a:r>
             <a:r>
               <a:rPr lang="tr-TR" dirty="0" smtClean="0"/>
@@ -4300,13 +5358,25 @@
               <a:rPr lang="tr-TR" dirty="0" err="1" smtClean="0"/>
               <a:t>noise</a:t>
             </a:r>
+            <a:r>
+              <a:rPr lang="tr-TR" dirty="0" smtClean="0"/>
+              <a:t> </a:t>
+            </a:r>
+            <a:r>
+              <a:rPr lang="tr-TR" dirty="0" err="1" smtClean="0"/>
+              <a:t>zoom</a:t>
+            </a:r>
+            <a:r>
+              <a:rPr lang="tr-TR" dirty="0" smtClean="0"/>
+              <a:t> 0-200Hz</a:t>
+            </a:r>
             <a:endParaRPr lang="tr-TR" dirty="0"/>
           </a:p>
         </p:txBody>
       </p:sp>
       <p:pic>
         <p:nvPicPr>
-          <p:cNvPr id="2051" name="Picture 3"/>
+          <p:cNvPr id="14339" name="Picture 3"/>
           <p:cNvPicPr>
             <a:picLocks noGrp="1" noChangeAspect="1" noChangeArrowheads="1"/>
           </p:cNvPicPr>
@@ -4323,8 +5393,8 @@
         </p:blipFill>
         <p:spPr bwMode="auto">
           <a:xfrm>
-            <a:off x="457200" y="1859203"/>
-            <a:ext cx="8229600" cy="4007956"/>
+            <a:off x="462883" y="1851025"/>
+            <a:ext cx="8218233" cy="4024313"/>
           </a:xfrm>
           <a:prstGeom prst="rect">
             <a:avLst/>
@@ -4406,13 +5476,17 @@
               <a:rPr lang="tr-TR" dirty="0" err="1" smtClean="0"/>
               <a:t>zoom</a:t>
             </a:r>
+            <a:r>
+              <a:rPr lang="tr-TR" dirty="0" smtClean="0"/>
+              <a:t> 36-52 Hz</a:t>
+            </a:r>
             <a:endParaRPr lang="tr-TR" dirty="0"/>
           </a:p>
         </p:txBody>
       </p:sp>
       <p:pic>
         <p:nvPicPr>
-          <p:cNvPr id="6146" name="Picture 2"/>
+          <p:cNvPr id="13314" name="Picture 2"/>
           <p:cNvPicPr>
             <a:picLocks noGrp="1" noChangeAspect="1" noChangeArrowheads="1"/>
           </p:cNvPicPr>
@@ -4429,8 +5503,8 @@
         </p:blipFill>
         <p:spPr bwMode="auto">
           <a:xfrm>
-            <a:off x="457200" y="1848242"/>
-            <a:ext cx="8229600" cy="4029879"/>
+            <a:off x="457200" y="1845668"/>
+            <a:ext cx="8229600" cy="4035026"/>
           </a:xfrm>
           <a:prstGeom prst="rect">
             <a:avLst/>
@@ -4494,7 +5568,7 @@
             </a:r>
             <a:r>
               <a:rPr lang="tr-TR" dirty="0" err="1" smtClean="0"/>
-              <a:t>driver</a:t>
+              <a:t>Driver</a:t>
             </a:r>
             <a:r>
               <a:rPr lang="tr-TR" dirty="0" smtClean="0"/>
@@ -4504,25 +5578,13 @@
               <a:rPr lang="tr-TR" dirty="0" err="1" smtClean="0"/>
               <a:t>noise</a:t>
             </a:r>
-            <a:r>
-              <a:rPr lang="tr-TR" dirty="0" smtClean="0"/>
-              <a:t> </a:t>
-            </a:r>
-            <a:r>
-              <a:rPr lang="tr-TR" dirty="0" err="1" smtClean="0"/>
-              <a:t>zoom</a:t>
-            </a:r>
-            <a:r>
-              <a:rPr lang="tr-TR" dirty="0" smtClean="0"/>
-              <a:t> 0-200Hz</a:t>
-            </a:r>
             <a:endParaRPr lang="tr-TR" dirty="0"/>
           </a:p>
         </p:txBody>
       </p:sp>
       <p:pic>
         <p:nvPicPr>
-          <p:cNvPr id="14339" name="Picture 3"/>
+          <p:cNvPr id="1028" name="Picture 4"/>
           <p:cNvPicPr>
             <a:picLocks noGrp="1" noChangeAspect="1" noChangeArrowheads="1"/>
           </p:cNvPicPr>
@@ -4539,8 +5601,8 @@
         </p:blipFill>
         <p:spPr bwMode="auto">
           <a:xfrm>
-            <a:off x="462883" y="1851025"/>
-            <a:ext cx="8218233" cy="4024313"/>
+            <a:off x="457200" y="1863682"/>
+            <a:ext cx="8229600" cy="3998999"/>
           </a:xfrm>
           <a:prstGeom prst="rect">
             <a:avLst/>
@@ -4604,7 +5666,7 @@
             </a:r>
             <a:r>
               <a:rPr lang="tr-TR" dirty="0" err="1" smtClean="0"/>
-              <a:t>driver</a:t>
+              <a:t>Driver</a:t>
             </a:r>
             <a:r>
               <a:rPr lang="tr-TR" dirty="0" smtClean="0"/>
@@ -4614,25 +5676,13 @@
               <a:rPr lang="tr-TR" dirty="0" err="1" smtClean="0"/>
               <a:t>noise</a:t>
             </a:r>
-            <a:r>
-              <a:rPr lang="tr-TR" dirty="0" smtClean="0"/>
-              <a:t> </a:t>
-            </a:r>
-            <a:r>
-              <a:rPr lang="tr-TR" dirty="0" err="1" smtClean="0"/>
-              <a:t>zoom</a:t>
-            </a:r>
-            <a:r>
-              <a:rPr lang="tr-TR" dirty="0" smtClean="0"/>
-              <a:t> 36-52 Hz</a:t>
-            </a:r>
             <a:endParaRPr lang="tr-TR" dirty="0"/>
           </a:p>
         </p:txBody>
       </p:sp>
       <p:pic>
         <p:nvPicPr>
-          <p:cNvPr id="13314" name="Picture 2"/>
+          <p:cNvPr id="2050" name="Picture 2"/>
           <p:cNvPicPr>
             <a:picLocks noGrp="1" noChangeAspect="1" noChangeArrowheads="1"/>
           </p:cNvPicPr>
@@ -4649,8 +5699,8 @@
         </p:blipFill>
         <p:spPr bwMode="auto">
           <a:xfrm>
-            <a:off x="457200" y="1845668"/>
-            <a:ext cx="8229600" cy="4035026"/>
+            <a:off x="457200" y="1861108"/>
+            <a:ext cx="8229600" cy="4004146"/>
           </a:xfrm>
           <a:prstGeom prst="rect">
             <a:avLst/>

--- a/Parameter Estimation Works/SerhatServoAutoTune_RuzgemSetup/MATLAB_Disturbance_analysis_RuzgemData/FFT analysis - outcomes.pptx
+++ b/Parameter Estimation Works/SerhatServoAutoTune_RuzgemSetup/MATLAB_Disturbance_analysis_RuzgemData/FFT analysis - outcomes.pptx
@@ -11,9 +11,9 @@
     <p:sldId id="261" r:id="rId5"/>
     <p:sldId id="262" r:id="rId6"/>
     <p:sldId id="269" r:id="rId7"/>
-    <p:sldId id="270" r:id="rId8"/>
-    <p:sldId id="259" r:id="rId9"/>
-    <p:sldId id="271" r:id="rId10"/>
+    <p:sldId id="259" r:id="rId8"/>
+    <p:sldId id="271" r:id="rId9"/>
+    <p:sldId id="280" r:id="rId10"/>
     <p:sldId id="264" r:id="rId11"/>
     <p:sldId id="268" r:id="rId12"/>
     <p:sldId id="263" r:id="rId13"/>
@@ -26,8 +26,16 @@
     <p:sldId id="276" r:id="rId20"/>
     <p:sldId id="279" r:id="rId21"/>
     <p:sldId id="278" r:id="rId22"/>
-    <p:sldId id="280" r:id="rId23"/>
-    <p:sldId id="281" r:id="rId24"/>
+    <p:sldId id="282" r:id="rId23"/>
+    <p:sldId id="283" r:id="rId24"/>
+    <p:sldId id="284" r:id="rId25"/>
+    <p:sldId id="285" r:id="rId26"/>
+    <p:sldId id="286" r:id="rId27"/>
+    <p:sldId id="287" r:id="rId28"/>
+    <p:sldId id="289" r:id="rId29"/>
+    <p:sldId id="290" r:id="rId30"/>
+    <p:sldId id="288" r:id="rId31"/>
+    <p:sldId id="291" r:id="rId32"/>
   </p:sldIdLst>
   <p:sldSz cx="9144000" cy="6858000" type="screen4x3"/>
   <p:notesSz cx="6858000" cy="9144000"/>
@@ -311,7 +319,7 @@
             <a:fld id="{D9F75050-0E15-4C5B-92B0-66D068882F1F}" type="datetimeFigureOut">
               <a:rPr lang="tr-TR" smtClean="0"/>
               <a:pPr/>
-              <a:t>29.04.2020</a:t>
+              <a:t>04.05.2020</a:t>
             </a:fld>
             <a:endParaRPr lang="tr-TR"/>
           </a:p>
@@ -478,7 +486,7 @@
             <a:fld id="{D9F75050-0E15-4C5B-92B0-66D068882F1F}" type="datetimeFigureOut">
               <a:rPr lang="tr-TR" smtClean="0"/>
               <a:pPr/>
-              <a:t>29.04.2020</a:t>
+              <a:t>04.05.2020</a:t>
             </a:fld>
             <a:endParaRPr lang="tr-TR"/>
           </a:p>
@@ -655,7 +663,7 @@
             <a:fld id="{D9F75050-0E15-4C5B-92B0-66D068882F1F}" type="datetimeFigureOut">
               <a:rPr lang="tr-TR" smtClean="0"/>
               <a:pPr/>
-              <a:t>29.04.2020</a:t>
+              <a:t>04.05.2020</a:t>
             </a:fld>
             <a:endParaRPr lang="tr-TR"/>
           </a:p>
@@ -822,7 +830,7 @@
             <a:fld id="{D9F75050-0E15-4C5B-92B0-66D068882F1F}" type="datetimeFigureOut">
               <a:rPr lang="tr-TR" smtClean="0"/>
               <a:pPr/>
-              <a:t>29.04.2020</a:t>
+              <a:t>04.05.2020</a:t>
             </a:fld>
             <a:endParaRPr lang="tr-TR"/>
           </a:p>
@@ -1065,7 +1073,7 @@
             <a:fld id="{D9F75050-0E15-4C5B-92B0-66D068882F1F}" type="datetimeFigureOut">
               <a:rPr lang="tr-TR" smtClean="0"/>
               <a:pPr/>
-              <a:t>29.04.2020</a:t>
+              <a:t>04.05.2020</a:t>
             </a:fld>
             <a:endParaRPr lang="tr-TR"/>
           </a:p>
@@ -1350,7 +1358,7 @@
             <a:fld id="{D9F75050-0E15-4C5B-92B0-66D068882F1F}" type="datetimeFigureOut">
               <a:rPr lang="tr-TR" smtClean="0"/>
               <a:pPr/>
-              <a:t>29.04.2020</a:t>
+              <a:t>04.05.2020</a:t>
             </a:fld>
             <a:endParaRPr lang="tr-TR"/>
           </a:p>
@@ -1769,7 +1777,7 @@
             <a:fld id="{D9F75050-0E15-4C5B-92B0-66D068882F1F}" type="datetimeFigureOut">
               <a:rPr lang="tr-TR" smtClean="0"/>
               <a:pPr/>
-              <a:t>29.04.2020</a:t>
+              <a:t>04.05.2020</a:t>
             </a:fld>
             <a:endParaRPr lang="tr-TR"/>
           </a:p>
@@ -1884,7 +1892,7 @@
             <a:fld id="{D9F75050-0E15-4C5B-92B0-66D068882F1F}" type="datetimeFigureOut">
               <a:rPr lang="tr-TR" smtClean="0"/>
               <a:pPr/>
-              <a:t>29.04.2020</a:t>
+              <a:t>04.05.2020</a:t>
             </a:fld>
             <a:endParaRPr lang="tr-TR"/>
           </a:p>
@@ -1976,7 +1984,7 @@
             <a:fld id="{D9F75050-0E15-4C5B-92B0-66D068882F1F}" type="datetimeFigureOut">
               <a:rPr lang="tr-TR" smtClean="0"/>
               <a:pPr/>
-              <a:t>29.04.2020</a:t>
+              <a:t>04.05.2020</a:t>
             </a:fld>
             <a:endParaRPr lang="tr-TR"/>
           </a:p>
@@ -2250,7 +2258,7 @@
             <a:fld id="{D9F75050-0E15-4C5B-92B0-66D068882F1F}" type="datetimeFigureOut">
               <a:rPr lang="tr-TR" smtClean="0"/>
               <a:pPr/>
-              <a:t>29.04.2020</a:t>
+              <a:t>04.05.2020</a:t>
             </a:fld>
             <a:endParaRPr lang="tr-TR"/>
           </a:p>
@@ -2500,7 +2508,7 @@
             <a:fld id="{D9F75050-0E15-4C5B-92B0-66D068882F1F}" type="datetimeFigureOut">
               <a:rPr lang="tr-TR" smtClean="0"/>
               <a:pPr/>
-              <a:t>29.04.2020</a:t>
+              <a:t>04.05.2020</a:t>
             </a:fld>
             <a:endParaRPr lang="tr-TR"/>
           </a:p>
@@ -2710,7 +2718,7 @@
             <a:fld id="{D9F75050-0E15-4C5B-92B0-66D068882F1F}" type="datetimeFigureOut">
               <a:rPr lang="tr-TR" smtClean="0"/>
               <a:pPr/>
-              <a:t>29.04.2020</a:t>
+              <a:t>04.05.2020</a:t>
             </a:fld>
             <a:endParaRPr lang="tr-TR"/>
           </a:p>
@@ -4225,11 +4233,7 @@
             </a:r>
             <a:r>
               <a:rPr lang="tr-TR" dirty="0" smtClean="0"/>
-              <a:t> + </a:t>
-            </a:r>
-            <a:r>
-              <a:rPr lang="tr-TR" dirty="0" smtClean="0"/>
-              <a:t>4 </a:t>
+              <a:t> + 4 </a:t>
             </a:r>
             <a:r>
               <a:rPr lang="tr-TR" dirty="0" err="1" smtClean="0"/>
@@ -4628,38 +4632,6 @@
           </a:ln>
         </p:spPr>
       </p:pic>
-      <p:pic>
-        <p:nvPicPr>
-          <p:cNvPr id="9220" name="Picture 4"/>
-          <p:cNvPicPr>
-            <a:picLocks noChangeAspect="1" noChangeArrowheads="1"/>
-          </p:cNvPicPr>
-          <p:nvPr/>
-        </p:nvPicPr>
-        <p:blipFill>
-          <a:blip r:embed="rId4" cstate="print"/>
-          <a:srcRect/>
-          <a:stretch>
-            <a:fillRect/>
-          </a:stretch>
-        </p:blipFill>
-        <p:spPr bwMode="auto">
-          <a:xfrm>
-            <a:off x="103579" y="72008"/>
-            <a:ext cx="6988701" cy="2204864"/>
-          </a:xfrm>
-          <a:prstGeom prst="rect">
-            <a:avLst/>
-          </a:prstGeom>
-          <a:noFill/>
-          <a:ln w="9525">
-            <a:noFill/>
-            <a:miter lim="800000"/>
-            <a:headEnd/>
-            <a:tailEnd/>
-          </a:ln>
-        </p:spPr>
-      </p:pic>
       <p:sp>
         <p:nvSpPr>
           <p:cNvPr id="11" name="2 Metin Yer Tutucusu"/>
@@ -4761,6 +4733,38 @@
           </a:p>
         </p:txBody>
       </p:sp>
+      <p:pic>
+        <p:nvPicPr>
+          <p:cNvPr id="15362" name="Picture 2"/>
+          <p:cNvPicPr>
+            <a:picLocks noChangeAspect="1" noChangeArrowheads="1"/>
+          </p:cNvPicPr>
+          <p:nvPr/>
+        </p:nvPicPr>
+        <p:blipFill>
+          <a:blip r:embed="rId4" cstate="print"/>
+          <a:srcRect/>
+          <a:stretch>
+            <a:fillRect/>
+          </a:stretch>
+        </p:blipFill>
+        <p:spPr bwMode="auto">
+          <a:xfrm>
+            <a:off x="107504" y="0"/>
+            <a:ext cx="6984776" cy="2379753"/>
+          </a:xfrm>
+          <a:prstGeom prst="rect">
+            <a:avLst/>
+          </a:prstGeom>
+          <a:noFill/>
+          <a:ln w="9525">
+            <a:noFill/>
+            <a:miter lim="800000"/>
+            <a:headEnd/>
+            <a:tailEnd/>
+          </a:ln>
+        </p:spPr>
+      </p:pic>
     </p:spTree>
   </p:cSld>
   <p:clrMapOvr>
@@ -4883,48 +4887,52 @@
           <a:bodyPr/>
           <a:lstStyle/>
           <a:p>
-            <a:endParaRPr lang="tr-TR"/>
-          </a:p>
-        </p:txBody>
-      </p:sp>
-      <p:sp>
-        <p:nvSpPr>
-          <p:cNvPr id="3" name="2 İçerik Yer Tutucusu"/>
-          <p:cNvSpPr>
-            <a:spLocks noGrp="1"/>
-          </p:cNvSpPr>
-          <p:nvPr>
-            <p:ph sz="half" idx="1"/>
-          </p:nvPr>
-        </p:nvSpPr>
-        <p:spPr/>
-        <p:txBody>
-          <a:bodyPr/>
-          <a:lstStyle/>
-          <a:p>
-            <a:endParaRPr lang="tr-TR"/>
-          </a:p>
-        </p:txBody>
-      </p:sp>
-      <p:sp>
-        <p:nvSpPr>
-          <p:cNvPr id="4" name="3 İçerik Yer Tutucusu"/>
-          <p:cNvSpPr>
-            <a:spLocks noGrp="1"/>
-          </p:cNvSpPr>
-          <p:nvPr>
-            <p:ph sz="half" idx="2"/>
-          </p:nvPr>
-        </p:nvSpPr>
-        <p:spPr/>
-        <p:txBody>
-          <a:bodyPr/>
-          <a:lstStyle/>
-          <a:p>
-            <a:endParaRPr lang="tr-TR"/>
-          </a:p>
-        </p:txBody>
-      </p:sp>
+            <a:r>
+              <a:rPr lang="tr-TR" dirty="0" smtClean="0"/>
+              <a:t>800rpm no </a:t>
+            </a:r>
+            <a:r>
+              <a:rPr lang="tr-TR" dirty="0" err="1" smtClean="0"/>
+              <a:t>load</a:t>
+            </a:r>
+            <a:endParaRPr lang="tr-TR" dirty="0"/>
+          </a:p>
+        </p:txBody>
+      </p:sp>
+      <p:pic>
+        <p:nvPicPr>
+          <p:cNvPr id="2050" name="Picture 2"/>
+          <p:cNvPicPr>
+            <a:picLocks noGrp="1" noChangeAspect="1" noChangeArrowheads="1"/>
+          </p:cNvPicPr>
+          <p:nvPr>
+            <p:ph idx="1"/>
+          </p:nvPr>
+        </p:nvPicPr>
+        <p:blipFill>
+          <a:blip r:embed="rId2" cstate="print"/>
+          <a:srcRect/>
+          <a:stretch>
+            <a:fillRect/>
+          </a:stretch>
+        </p:blipFill>
+        <p:spPr bwMode="auto">
+          <a:xfrm>
+            <a:off x="457200" y="1811104"/>
+            <a:ext cx="8229600" cy="4104154"/>
+          </a:xfrm>
+          <a:prstGeom prst="rect">
+            <a:avLst/>
+          </a:prstGeom>
+          <a:noFill/>
+          <a:ln w="9525">
+            <a:noFill/>
+            <a:miter lim="800000"/>
+            <a:headEnd/>
+            <a:tailEnd/>
+          </a:ln>
+        </p:spPr>
+      </p:pic>
     </p:spTree>
   </p:cSld>
   <p:clrMapOvr>
@@ -4965,48 +4973,600 @@
           <a:bodyPr/>
           <a:lstStyle/>
           <a:p>
-            <a:endParaRPr lang="tr-TR"/>
-          </a:p>
-        </p:txBody>
-      </p:sp>
-      <p:sp>
-        <p:nvSpPr>
-          <p:cNvPr id="3" name="2 İçerik Yer Tutucusu"/>
-          <p:cNvSpPr>
-            <a:spLocks noGrp="1"/>
-          </p:cNvSpPr>
-          <p:nvPr>
-            <p:ph sz="half" idx="1"/>
-          </p:nvPr>
-        </p:nvSpPr>
-        <p:spPr/>
-        <p:txBody>
-          <a:bodyPr/>
-          <a:lstStyle/>
-          <a:p>
-            <a:endParaRPr lang="tr-TR"/>
-          </a:p>
-        </p:txBody>
-      </p:sp>
-      <p:sp>
-        <p:nvSpPr>
-          <p:cNvPr id="4" name="3 İçerik Yer Tutucusu"/>
-          <p:cNvSpPr>
-            <a:spLocks noGrp="1"/>
-          </p:cNvSpPr>
-          <p:nvPr>
-            <p:ph sz="half" idx="2"/>
-          </p:nvPr>
-        </p:nvSpPr>
-        <p:spPr/>
-        <p:txBody>
-          <a:bodyPr/>
-          <a:lstStyle/>
-          <a:p>
-            <a:endParaRPr lang="tr-TR"/>
-          </a:p>
-        </p:txBody>
-      </p:sp>
+            <a:r>
+              <a:rPr lang="tr-TR" dirty="0" smtClean="0"/>
+              <a:t>800rpm </a:t>
+            </a:r>
+            <a:r>
+              <a:rPr lang="tr-TR" dirty="0" err="1" smtClean="0"/>
+              <a:t>noload</a:t>
+            </a:r>
+            <a:r>
+              <a:rPr lang="tr-TR" dirty="0" smtClean="0"/>
+              <a:t> 53.3Hz </a:t>
+            </a:r>
+            <a:r>
+              <a:rPr lang="tr-TR" dirty="0" err="1" smtClean="0"/>
+              <a:t>fund</a:t>
+            </a:r>
+            <a:r>
+              <a:rPr lang="tr-TR" dirty="0" smtClean="0"/>
+              <a:t>.</a:t>
+            </a:r>
+            <a:endParaRPr lang="tr-TR" dirty="0"/>
+          </a:p>
+        </p:txBody>
+      </p:sp>
+      <p:pic>
+        <p:nvPicPr>
+          <p:cNvPr id="3074" name="Picture 2"/>
+          <p:cNvPicPr>
+            <a:picLocks noGrp="1" noChangeAspect="1" noChangeArrowheads="1"/>
+          </p:cNvPicPr>
+          <p:nvPr>
+            <p:ph idx="1"/>
+          </p:nvPr>
+        </p:nvPicPr>
+        <p:blipFill>
+          <a:blip r:embed="rId2" cstate="print"/>
+          <a:srcRect/>
+          <a:stretch>
+            <a:fillRect/>
+          </a:stretch>
+        </p:blipFill>
+        <p:spPr bwMode="auto">
+          <a:xfrm>
+            <a:off x="457200" y="1892714"/>
+            <a:ext cx="8229600" cy="3940935"/>
+          </a:xfrm>
+          <a:prstGeom prst="rect">
+            <a:avLst/>
+          </a:prstGeom>
+          <a:noFill/>
+          <a:ln w="9525">
+            <a:noFill/>
+            <a:miter lim="800000"/>
+            <a:headEnd/>
+            <a:tailEnd/>
+          </a:ln>
+        </p:spPr>
+      </p:pic>
+    </p:spTree>
+  </p:cSld>
+  <p:clrMapOvr>
+    <a:masterClrMapping/>
+  </p:clrMapOvr>
+</p:sld>
+</file>
+
+<file path=ppt/slides/slide24.xml><?xml version="1.0" encoding="utf-8"?>
+<p:sld xmlns:a="http://schemas.openxmlformats.org/drawingml/2006/main" xmlns:r="http://schemas.openxmlformats.org/officeDocument/2006/relationships" xmlns:p="http://schemas.openxmlformats.org/presentationml/2006/main">
+  <p:cSld>
+    <p:spTree>
+      <p:nvGrpSpPr>
+        <p:cNvPr id="1" name=""/>
+        <p:cNvGrpSpPr/>
+        <p:nvPr/>
+      </p:nvGrpSpPr>
+      <p:grpSpPr>
+        <a:xfrm>
+          <a:off x="0" y="0"/>
+          <a:ext cx="0" cy="0"/>
+          <a:chOff x="0" y="0"/>
+          <a:chExt cx="0" cy="0"/>
+        </a:xfrm>
+      </p:grpSpPr>
+      <p:sp>
+        <p:nvSpPr>
+          <p:cNvPr id="2" name="1 Başlık"/>
+          <p:cNvSpPr>
+            <a:spLocks noGrp="1"/>
+          </p:cNvSpPr>
+          <p:nvPr>
+            <p:ph type="title"/>
+          </p:nvPr>
+        </p:nvSpPr>
+        <p:spPr/>
+        <p:txBody>
+          <a:bodyPr/>
+          <a:lstStyle/>
+          <a:p>
+            <a:r>
+              <a:rPr lang="tr-TR" dirty="0" smtClean="0"/>
+              <a:t>800rpm + 2Nm </a:t>
+            </a:r>
+            <a:r>
+              <a:rPr lang="tr-TR" dirty="0" err="1" smtClean="0"/>
+              <a:t>pulse</a:t>
+            </a:r>
+            <a:endParaRPr lang="tr-TR" dirty="0"/>
+          </a:p>
+        </p:txBody>
+      </p:sp>
+      <p:pic>
+        <p:nvPicPr>
+          <p:cNvPr id="4098" name="Picture 2"/>
+          <p:cNvPicPr>
+            <a:picLocks noGrp="1" noChangeAspect="1" noChangeArrowheads="1"/>
+          </p:cNvPicPr>
+          <p:nvPr>
+            <p:ph idx="1"/>
+          </p:nvPr>
+        </p:nvPicPr>
+        <p:blipFill>
+          <a:blip r:embed="rId2" cstate="print"/>
+          <a:srcRect/>
+          <a:stretch>
+            <a:fillRect/>
+          </a:stretch>
+        </p:blipFill>
+        <p:spPr bwMode="auto">
+          <a:xfrm>
+            <a:off x="457200" y="1787222"/>
+            <a:ext cx="8229600" cy="4151918"/>
+          </a:xfrm>
+          <a:prstGeom prst="rect">
+            <a:avLst/>
+          </a:prstGeom>
+          <a:noFill/>
+          <a:ln w="9525">
+            <a:noFill/>
+            <a:miter lim="800000"/>
+            <a:headEnd/>
+            <a:tailEnd/>
+          </a:ln>
+        </p:spPr>
+      </p:pic>
+    </p:spTree>
+  </p:cSld>
+  <p:clrMapOvr>
+    <a:masterClrMapping/>
+  </p:clrMapOvr>
+</p:sld>
+</file>
+
+<file path=ppt/slides/slide25.xml><?xml version="1.0" encoding="utf-8"?>
+<p:sld xmlns:a="http://schemas.openxmlformats.org/drawingml/2006/main" xmlns:r="http://schemas.openxmlformats.org/officeDocument/2006/relationships" xmlns:p="http://schemas.openxmlformats.org/presentationml/2006/main">
+  <p:cSld>
+    <p:spTree>
+      <p:nvGrpSpPr>
+        <p:cNvPr id="1" name=""/>
+        <p:cNvGrpSpPr/>
+        <p:nvPr/>
+      </p:nvGrpSpPr>
+      <p:grpSpPr>
+        <a:xfrm>
+          <a:off x="0" y="0"/>
+          <a:ext cx="0" cy="0"/>
+          <a:chOff x="0" y="0"/>
+          <a:chExt cx="0" cy="0"/>
+        </a:xfrm>
+      </p:grpSpPr>
+      <p:sp>
+        <p:nvSpPr>
+          <p:cNvPr id="2" name="1 Başlık"/>
+          <p:cNvSpPr>
+            <a:spLocks noGrp="1"/>
+          </p:cNvSpPr>
+          <p:nvPr>
+            <p:ph type="title"/>
+          </p:nvPr>
+        </p:nvSpPr>
+        <p:spPr/>
+        <p:txBody>
+          <a:bodyPr/>
+          <a:lstStyle/>
+          <a:p>
+            <a:r>
+              <a:rPr lang="tr-TR" dirty="0" smtClean="0"/>
+              <a:t>800rpm + 2Nm </a:t>
+            </a:r>
+            <a:r>
+              <a:rPr lang="tr-TR" dirty="0" err="1" smtClean="0"/>
+              <a:t>pulse</a:t>
+            </a:r>
+            <a:r>
+              <a:rPr lang="tr-TR" dirty="0" smtClean="0"/>
+              <a:t> 53.3Hz</a:t>
+            </a:r>
+            <a:endParaRPr lang="tr-TR" dirty="0"/>
+          </a:p>
+        </p:txBody>
+      </p:sp>
+      <p:pic>
+        <p:nvPicPr>
+          <p:cNvPr id="5125" name="Picture 5"/>
+          <p:cNvPicPr>
+            <a:picLocks noGrp="1" noChangeAspect="1" noChangeArrowheads="1"/>
+          </p:cNvPicPr>
+          <p:nvPr>
+            <p:ph idx="1"/>
+          </p:nvPr>
+        </p:nvPicPr>
+        <p:blipFill>
+          <a:blip r:embed="rId2" cstate="print"/>
+          <a:srcRect/>
+          <a:stretch>
+            <a:fillRect/>
+          </a:stretch>
+        </p:blipFill>
+        <p:spPr bwMode="auto">
+          <a:xfrm>
+            <a:off x="457200" y="1884137"/>
+            <a:ext cx="8229600" cy="3958088"/>
+          </a:xfrm>
+          <a:prstGeom prst="rect">
+            <a:avLst/>
+          </a:prstGeom>
+          <a:noFill/>
+          <a:ln w="9525">
+            <a:noFill/>
+            <a:miter lim="800000"/>
+            <a:headEnd/>
+            <a:tailEnd/>
+          </a:ln>
+        </p:spPr>
+      </p:pic>
+    </p:spTree>
+  </p:cSld>
+  <p:clrMapOvr>
+    <a:masterClrMapping/>
+  </p:clrMapOvr>
+</p:sld>
+</file>
+
+<file path=ppt/slides/slide26.xml><?xml version="1.0" encoding="utf-8"?>
+<p:sld xmlns:a="http://schemas.openxmlformats.org/drawingml/2006/main" xmlns:r="http://schemas.openxmlformats.org/officeDocument/2006/relationships" xmlns:p="http://schemas.openxmlformats.org/presentationml/2006/main">
+  <p:cSld>
+    <p:spTree>
+      <p:nvGrpSpPr>
+        <p:cNvPr id="1" name=""/>
+        <p:cNvGrpSpPr/>
+        <p:nvPr/>
+      </p:nvGrpSpPr>
+      <p:grpSpPr>
+        <a:xfrm>
+          <a:off x="0" y="0"/>
+          <a:ext cx="0" cy="0"/>
+          <a:chOff x="0" y="0"/>
+          <a:chExt cx="0" cy="0"/>
+        </a:xfrm>
+      </p:grpSpPr>
+      <p:sp>
+        <p:nvSpPr>
+          <p:cNvPr id="2" name="1 Başlık"/>
+          <p:cNvSpPr>
+            <a:spLocks noGrp="1"/>
+          </p:cNvSpPr>
+          <p:nvPr>
+            <p:ph type="title"/>
+          </p:nvPr>
+        </p:nvSpPr>
+        <p:spPr/>
+        <p:txBody>
+          <a:bodyPr/>
+          <a:lstStyle/>
+          <a:p>
+            <a:r>
+              <a:rPr lang="tr-TR" dirty="0" smtClean="0"/>
+              <a:t>400rpm </a:t>
+            </a:r>
+            <a:r>
+              <a:rPr lang="tr-TR" dirty="0" err="1" smtClean="0"/>
+              <a:t>noload</a:t>
+            </a:r>
+            <a:endParaRPr lang="tr-TR" dirty="0"/>
+          </a:p>
+        </p:txBody>
+      </p:sp>
+      <p:pic>
+        <p:nvPicPr>
+          <p:cNvPr id="6146" name="Picture 2"/>
+          <p:cNvPicPr>
+            <a:picLocks noGrp="1" noChangeAspect="1" noChangeArrowheads="1"/>
+          </p:cNvPicPr>
+          <p:nvPr>
+            <p:ph idx="1"/>
+          </p:nvPr>
+        </p:nvPicPr>
+        <p:blipFill>
+          <a:blip r:embed="rId2" cstate="print"/>
+          <a:srcRect/>
+          <a:stretch>
+            <a:fillRect/>
+          </a:stretch>
+        </p:blipFill>
+        <p:spPr bwMode="auto">
+          <a:xfrm>
+            <a:off x="457200" y="1704233"/>
+            <a:ext cx="8229600" cy="4317897"/>
+          </a:xfrm>
+          <a:prstGeom prst="rect">
+            <a:avLst/>
+          </a:prstGeom>
+          <a:noFill/>
+          <a:ln w="9525">
+            <a:noFill/>
+            <a:miter lim="800000"/>
+            <a:headEnd/>
+            <a:tailEnd/>
+          </a:ln>
+        </p:spPr>
+      </p:pic>
+    </p:spTree>
+  </p:cSld>
+  <p:clrMapOvr>
+    <a:masterClrMapping/>
+  </p:clrMapOvr>
+</p:sld>
+</file>
+
+<file path=ppt/slides/slide27.xml><?xml version="1.0" encoding="utf-8"?>
+<p:sld xmlns:a="http://schemas.openxmlformats.org/drawingml/2006/main" xmlns:r="http://schemas.openxmlformats.org/officeDocument/2006/relationships" xmlns:p="http://schemas.openxmlformats.org/presentationml/2006/main">
+  <p:cSld>
+    <p:spTree>
+      <p:nvGrpSpPr>
+        <p:cNvPr id="1" name=""/>
+        <p:cNvGrpSpPr/>
+        <p:nvPr/>
+      </p:nvGrpSpPr>
+      <p:grpSpPr>
+        <a:xfrm>
+          <a:off x="0" y="0"/>
+          <a:ext cx="0" cy="0"/>
+          <a:chOff x="0" y="0"/>
+          <a:chExt cx="0" cy="0"/>
+        </a:xfrm>
+      </p:grpSpPr>
+      <p:sp>
+        <p:nvSpPr>
+          <p:cNvPr id="2" name="1 Başlık"/>
+          <p:cNvSpPr>
+            <a:spLocks noGrp="1"/>
+          </p:cNvSpPr>
+          <p:nvPr>
+            <p:ph type="title"/>
+          </p:nvPr>
+        </p:nvSpPr>
+        <p:spPr/>
+        <p:txBody>
+          <a:bodyPr/>
+          <a:lstStyle/>
+          <a:p>
+            <a:r>
+              <a:rPr lang="tr-TR" dirty="0" smtClean="0"/>
+              <a:t>400rpm 26.6Hz </a:t>
+            </a:r>
+            <a:r>
+              <a:rPr lang="tr-TR" dirty="0" err="1" smtClean="0"/>
+              <a:t>fund</a:t>
+            </a:r>
+            <a:endParaRPr lang="tr-TR" dirty="0"/>
+          </a:p>
+        </p:txBody>
+      </p:sp>
+      <p:pic>
+        <p:nvPicPr>
+          <p:cNvPr id="7170" name="Picture 2"/>
+          <p:cNvPicPr>
+            <a:picLocks noGrp="1" noChangeAspect="1" noChangeArrowheads="1"/>
+          </p:cNvPicPr>
+          <p:nvPr>
+            <p:ph idx="1"/>
+          </p:nvPr>
+        </p:nvPicPr>
+        <p:blipFill>
+          <a:blip r:embed="rId2" cstate="print"/>
+          <a:srcRect/>
+          <a:stretch>
+            <a:fillRect/>
+          </a:stretch>
+        </p:blipFill>
+        <p:spPr bwMode="auto">
+          <a:xfrm>
+            <a:off x="457200" y="1885940"/>
+            <a:ext cx="8229600" cy="3954483"/>
+          </a:xfrm>
+          <a:prstGeom prst="rect">
+            <a:avLst/>
+          </a:prstGeom>
+          <a:noFill/>
+          <a:ln w="9525">
+            <a:noFill/>
+            <a:miter lim="800000"/>
+            <a:headEnd/>
+            <a:tailEnd/>
+          </a:ln>
+        </p:spPr>
+      </p:pic>
+    </p:spTree>
+  </p:cSld>
+  <p:clrMapOvr>
+    <a:masterClrMapping/>
+  </p:clrMapOvr>
+</p:sld>
+</file>
+
+<file path=ppt/slides/slide28.xml><?xml version="1.0" encoding="utf-8"?>
+<p:sld xmlns:a="http://schemas.openxmlformats.org/drawingml/2006/main" xmlns:r="http://schemas.openxmlformats.org/officeDocument/2006/relationships" xmlns:p="http://schemas.openxmlformats.org/presentationml/2006/main">
+  <p:cSld>
+    <p:spTree>
+      <p:nvGrpSpPr>
+        <p:cNvPr id="1" name=""/>
+        <p:cNvGrpSpPr/>
+        <p:nvPr/>
+      </p:nvGrpSpPr>
+      <p:grpSpPr>
+        <a:xfrm>
+          <a:off x="0" y="0"/>
+          <a:ext cx="0" cy="0"/>
+          <a:chOff x="0" y="0"/>
+          <a:chExt cx="0" cy="0"/>
+        </a:xfrm>
+      </p:grpSpPr>
+      <p:sp>
+        <p:nvSpPr>
+          <p:cNvPr id="2" name="1 Başlık"/>
+          <p:cNvSpPr>
+            <a:spLocks noGrp="1"/>
+          </p:cNvSpPr>
+          <p:nvPr>
+            <p:ph type="title"/>
+          </p:nvPr>
+        </p:nvSpPr>
+        <p:spPr/>
+        <p:txBody>
+          <a:bodyPr/>
+          <a:lstStyle/>
+          <a:p>
+            <a:r>
+              <a:rPr lang="tr-TR" dirty="0" smtClean="0"/>
+              <a:t>400rpm 29-30-33-34Nm </a:t>
+            </a:r>
+            <a:r>
+              <a:rPr lang="tr-TR" dirty="0" err="1" smtClean="0"/>
+              <a:t>loading</a:t>
+            </a:r>
+            <a:endParaRPr lang="tr-TR" dirty="0"/>
+          </a:p>
+        </p:txBody>
+      </p:sp>
+      <p:pic>
+        <p:nvPicPr>
+          <p:cNvPr id="9218" name="Picture 2"/>
+          <p:cNvPicPr>
+            <a:picLocks noGrp="1" noChangeAspect="1" noChangeArrowheads="1"/>
+          </p:cNvPicPr>
+          <p:nvPr>
+            <p:ph idx="1"/>
+          </p:nvPr>
+        </p:nvPicPr>
+        <p:blipFill>
+          <a:blip r:embed="rId2" cstate="print"/>
+          <a:srcRect/>
+          <a:stretch>
+            <a:fillRect/>
+          </a:stretch>
+        </p:blipFill>
+        <p:spPr bwMode="auto">
+          <a:xfrm>
+            <a:off x="457200" y="1705284"/>
+            <a:ext cx="8229600" cy="4315794"/>
+          </a:xfrm>
+          <a:prstGeom prst="rect">
+            <a:avLst/>
+          </a:prstGeom>
+          <a:noFill/>
+          <a:ln w="9525">
+            <a:noFill/>
+            <a:miter lim="800000"/>
+            <a:headEnd/>
+            <a:tailEnd/>
+          </a:ln>
+        </p:spPr>
+      </p:pic>
+    </p:spTree>
+  </p:cSld>
+  <p:clrMapOvr>
+    <a:masterClrMapping/>
+  </p:clrMapOvr>
+</p:sld>
+</file>
+
+<file path=ppt/slides/slide29.xml><?xml version="1.0" encoding="utf-8"?>
+<p:sld xmlns:a="http://schemas.openxmlformats.org/drawingml/2006/main" xmlns:r="http://schemas.openxmlformats.org/officeDocument/2006/relationships" xmlns:p="http://schemas.openxmlformats.org/presentationml/2006/main">
+  <p:cSld>
+    <p:spTree>
+      <p:nvGrpSpPr>
+        <p:cNvPr id="1" name=""/>
+        <p:cNvGrpSpPr/>
+        <p:nvPr/>
+      </p:nvGrpSpPr>
+      <p:grpSpPr>
+        <a:xfrm>
+          <a:off x="0" y="0"/>
+          <a:ext cx="0" cy="0"/>
+          <a:chOff x="0" y="0"/>
+          <a:chExt cx="0" cy="0"/>
+        </a:xfrm>
+      </p:grpSpPr>
+      <p:sp>
+        <p:nvSpPr>
+          <p:cNvPr id="2" name="1 Başlık"/>
+          <p:cNvSpPr>
+            <a:spLocks noGrp="1"/>
+          </p:cNvSpPr>
+          <p:nvPr>
+            <p:ph type="title"/>
+          </p:nvPr>
+        </p:nvSpPr>
+        <p:spPr/>
+        <p:txBody>
+          <a:bodyPr/>
+          <a:lstStyle/>
+          <a:p>
+            <a:r>
+              <a:rPr lang="tr-TR" dirty="0" smtClean="0"/>
+              <a:t>400 </a:t>
+            </a:r>
+            <a:r>
+              <a:rPr lang="tr-TR" dirty="0" err="1" smtClean="0"/>
+              <a:t>rpm</a:t>
+            </a:r>
+            <a:r>
+              <a:rPr lang="tr-TR" dirty="0" smtClean="0"/>
+              <a:t> 29-30-33-34 </a:t>
+            </a:r>
+            <a:r>
+              <a:rPr lang="tr-TR" dirty="0" err="1" smtClean="0"/>
+              <a:t>Nm</a:t>
+            </a:r>
+            <a:r>
+              <a:rPr lang="tr-TR" dirty="0" smtClean="0"/>
+              <a:t> </a:t>
+            </a:r>
+            <a:r>
+              <a:rPr lang="tr-TR" dirty="0" err="1" smtClean="0"/>
+              <a:t>loading</a:t>
+            </a:r>
+            <a:endParaRPr lang="tr-TR" dirty="0"/>
+          </a:p>
+        </p:txBody>
+      </p:sp>
+      <p:pic>
+        <p:nvPicPr>
+          <p:cNvPr id="10242" name="Picture 2"/>
+          <p:cNvPicPr>
+            <a:picLocks noGrp="1" noChangeAspect="1" noChangeArrowheads="1"/>
+          </p:cNvPicPr>
+          <p:nvPr>
+            <p:ph idx="1"/>
+          </p:nvPr>
+        </p:nvPicPr>
+        <p:blipFill>
+          <a:blip r:embed="rId2" cstate="print"/>
+          <a:srcRect/>
+          <a:stretch>
+            <a:fillRect/>
+          </a:stretch>
+        </p:blipFill>
+        <p:spPr bwMode="auto">
+          <a:xfrm>
+            <a:off x="457200" y="1870564"/>
+            <a:ext cx="8229600" cy="3985235"/>
+          </a:xfrm>
+          <a:prstGeom prst="rect">
+            <a:avLst/>
+          </a:prstGeom>
+          <a:noFill/>
+          <a:ln w="9525">
+            <a:noFill/>
+            <a:miter lim="800000"/>
+            <a:headEnd/>
+            <a:tailEnd/>
+          </a:ln>
+        </p:spPr>
+      </p:pic>
     </p:spTree>
   </p:cSld>
   <p:clrMapOvr>
@@ -5081,6 +5641,178 @@
           <a:xfrm>
             <a:off x="457200" y="908720"/>
             <a:ext cx="8229600" cy="5760640"/>
+          </a:xfrm>
+          <a:prstGeom prst="rect">
+            <a:avLst/>
+          </a:prstGeom>
+          <a:noFill/>
+          <a:ln w="9525">
+            <a:noFill/>
+            <a:miter lim="800000"/>
+            <a:headEnd/>
+            <a:tailEnd/>
+          </a:ln>
+        </p:spPr>
+      </p:pic>
+    </p:spTree>
+  </p:cSld>
+  <p:clrMapOvr>
+    <a:masterClrMapping/>
+  </p:clrMapOvr>
+</p:sld>
+</file>
+
+<file path=ppt/slides/slide30.xml><?xml version="1.0" encoding="utf-8"?>
+<p:sld xmlns:a="http://schemas.openxmlformats.org/drawingml/2006/main" xmlns:r="http://schemas.openxmlformats.org/officeDocument/2006/relationships" xmlns:p="http://schemas.openxmlformats.org/presentationml/2006/main">
+  <p:cSld>
+    <p:spTree>
+      <p:nvGrpSpPr>
+        <p:cNvPr id="1" name=""/>
+        <p:cNvGrpSpPr/>
+        <p:nvPr/>
+      </p:nvGrpSpPr>
+      <p:grpSpPr>
+        <a:xfrm>
+          <a:off x="0" y="0"/>
+          <a:ext cx="0" cy="0"/>
+          <a:chOff x="0" y="0"/>
+          <a:chExt cx="0" cy="0"/>
+        </a:xfrm>
+      </p:grpSpPr>
+      <p:sp>
+        <p:nvSpPr>
+          <p:cNvPr id="2" name="1 Başlık"/>
+          <p:cNvSpPr>
+            <a:spLocks noGrp="1"/>
+          </p:cNvSpPr>
+          <p:nvPr>
+            <p:ph type="title"/>
+          </p:nvPr>
+        </p:nvSpPr>
+        <p:spPr/>
+        <p:txBody>
+          <a:bodyPr/>
+          <a:lstStyle/>
+          <a:p>
+            <a:r>
+              <a:rPr lang="tr-TR" dirty="0" smtClean="0"/>
+              <a:t>400rpm 60Nm </a:t>
+            </a:r>
+            <a:r>
+              <a:rPr lang="tr-TR" dirty="0" err="1" smtClean="0"/>
+              <a:t>loading</a:t>
+            </a:r>
+            <a:endParaRPr lang="tr-TR" dirty="0"/>
+          </a:p>
+        </p:txBody>
+      </p:sp>
+      <p:pic>
+        <p:nvPicPr>
+          <p:cNvPr id="8194" name="Picture 2"/>
+          <p:cNvPicPr>
+            <a:picLocks noGrp="1" noChangeAspect="1" noChangeArrowheads="1"/>
+          </p:cNvPicPr>
+          <p:nvPr>
+            <p:ph idx="1"/>
+          </p:nvPr>
+        </p:nvPicPr>
+        <p:blipFill>
+          <a:blip r:embed="rId2" cstate="print"/>
+          <a:srcRect/>
+          <a:stretch>
+            <a:fillRect/>
+          </a:stretch>
+        </p:blipFill>
+        <p:spPr bwMode="auto">
+          <a:xfrm>
+            <a:off x="457200" y="1699701"/>
+            <a:ext cx="8229600" cy="4326961"/>
+          </a:xfrm>
+          <a:prstGeom prst="rect">
+            <a:avLst/>
+          </a:prstGeom>
+          <a:noFill/>
+          <a:ln w="9525">
+            <a:noFill/>
+            <a:miter lim="800000"/>
+            <a:headEnd/>
+            <a:tailEnd/>
+          </a:ln>
+        </p:spPr>
+      </p:pic>
+    </p:spTree>
+  </p:cSld>
+  <p:clrMapOvr>
+    <a:masterClrMapping/>
+  </p:clrMapOvr>
+</p:sld>
+</file>
+
+<file path=ppt/slides/slide31.xml><?xml version="1.0" encoding="utf-8"?>
+<p:sld xmlns:a="http://schemas.openxmlformats.org/drawingml/2006/main" xmlns:r="http://schemas.openxmlformats.org/officeDocument/2006/relationships" xmlns:p="http://schemas.openxmlformats.org/presentationml/2006/main">
+  <p:cSld>
+    <p:spTree>
+      <p:nvGrpSpPr>
+        <p:cNvPr id="1" name=""/>
+        <p:cNvGrpSpPr/>
+        <p:nvPr/>
+      </p:nvGrpSpPr>
+      <p:grpSpPr>
+        <a:xfrm>
+          <a:off x="0" y="0"/>
+          <a:ext cx="0" cy="0"/>
+          <a:chOff x="0" y="0"/>
+          <a:chExt cx="0" cy="0"/>
+        </a:xfrm>
+      </p:grpSpPr>
+      <p:sp>
+        <p:nvSpPr>
+          <p:cNvPr id="2" name="1 Başlık"/>
+          <p:cNvSpPr>
+            <a:spLocks noGrp="1"/>
+          </p:cNvSpPr>
+          <p:nvPr>
+            <p:ph type="title"/>
+          </p:nvPr>
+        </p:nvSpPr>
+        <p:spPr/>
+        <p:txBody>
+          <a:bodyPr/>
+          <a:lstStyle/>
+          <a:p>
+            <a:r>
+              <a:rPr lang="tr-TR" dirty="0" smtClean="0"/>
+              <a:t>400rpm 60Nm </a:t>
+            </a:r>
+            <a:r>
+              <a:rPr lang="tr-TR" dirty="0" err="1" smtClean="0"/>
+              <a:t>loading</a:t>
+            </a:r>
+            <a:endParaRPr lang="tr-TR" dirty="0"/>
+          </a:p>
+        </p:txBody>
+      </p:sp>
+      <p:pic>
+        <p:nvPicPr>
+          <p:cNvPr id="11267" name="Picture 3"/>
+          <p:cNvPicPr>
+            <a:picLocks noGrp="1" noChangeAspect="1" noChangeArrowheads="1"/>
+          </p:cNvPicPr>
+          <p:nvPr>
+            <p:ph idx="1"/>
+          </p:nvPr>
+        </p:nvPicPr>
+        <p:blipFill>
+          <a:blip r:embed="rId2" cstate="print"/>
+          <a:srcRect/>
+          <a:stretch>
+            <a:fillRect/>
+          </a:stretch>
+        </p:blipFill>
+        <p:spPr bwMode="auto">
+          <a:xfrm>
+            <a:off x="457200" y="1911742"/>
+            <a:ext cx="8229600" cy="3902879"/>
           </a:xfrm>
           <a:prstGeom prst="rect">
             <a:avLst/>
@@ -5368,7 +6100,11 @@
             </a:r>
             <a:r>
               <a:rPr lang="tr-TR" dirty="0" smtClean="0"/>
-              <a:t> 0-200Hz</a:t>
+              <a:t> </a:t>
+            </a:r>
+            <a:r>
+              <a:rPr lang="tr-TR" dirty="0" smtClean="0"/>
+              <a:t>0-500Hz</a:t>
             </a:r>
             <a:endParaRPr lang="tr-TR" dirty="0"/>
           </a:p>
@@ -5376,7 +6112,7 @@
       </p:sp>
       <p:pic>
         <p:nvPicPr>
-          <p:cNvPr id="14339" name="Picture 3"/>
+          <p:cNvPr id="12291" name="Picture 3"/>
           <p:cNvPicPr>
             <a:picLocks noGrp="1" noChangeAspect="1" noChangeArrowheads="1"/>
           </p:cNvPicPr>
@@ -5393,8 +6129,8 @@
         </p:blipFill>
         <p:spPr bwMode="auto">
           <a:xfrm>
-            <a:off x="462883" y="1851025"/>
-            <a:ext cx="8218233" cy="4024313"/>
+            <a:off x="457200" y="1630886"/>
+            <a:ext cx="8229600" cy="4464590"/>
           </a:xfrm>
           <a:prstGeom prst="rect">
             <a:avLst/>
@@ -5458,7 +6194,7 @@
             </a:r>
             <a:r>
               <a:rPr lang="tr-TR" dirty="0" err="1" smtClean="0"/>
-              <a:t>driver</a:t>
+              <a:t>Driver</a:t>
             </a:r>
             <a:r>
               <a:rPr lang="tr-TR" dirty="0" smtClean="0"/>
@@ -5467,18 +6203,6 @@
             <a:r>
               <a:rPr lang="tr-TR" dirty="0" err="1" smtClean="0"/>
               <a:t>noise</a:t>
-            </a:r>
-            <a:r>
-              <a:rPr lang="tr-TR" dirty="0" smtClean="0"/>
-              <a:t> </a:t>
-            </a:r>
-            <a:r>
-              <a:rPr lang="tr-TR" dirty="0" err="1" smtClean="0"/>
-              <a:t>zoom</a:t>
-            </a:r>
-            <a:r>
-              <a:rPr lang="tr-TR" dirty="0" smtClean="0"/>
-              <a:t> 36-52 Hz</a:t>
             </a:r>
             <a:endParaRPr lang="tr-TR" dirty="0"/>
           </a:p>
@@ -5503,8 +6227,8 @@
         </p:blipFill>
         <p:spPr bwMode="auto">
           <a:xfrm>
-            <a:off x="457200" y="1845668"/>
-            <a:ext cx="8229600" cy="4035026"/>
+            <a:off x="457200" y="1659937"/>
+            <a:ext cx="8229600" cy="4406489"/>
           </a:xfrm>
           <a:prstGeom prst="rect">
             <a:avLst/>
@@ -5584,7 +6308,7 @@
       </p:sp>
       <p:pic>
         <p:nvPicPr>
-          <p:cNvPr id="1028" name="Picture 4"/>
+          <p:cNvPr id="14338" name="Picture 2"/>
           <p:cNvPicPr>
             <a:picLocks noGrp="1" noChangeAspect="1" noChangeArrowheads="1"/>
           </p:cNvPicPr>
@@ -5601,8 +6325,8 @@
         </p:blipFill>
         <p:spPr bwMode="auto">
           <a:xfrm>
-            <a:off x="457200" y="1863682"/>
-            <a:ext cx="8229600" cy="3998999"/>
+            <a:off x="457200" y="1699701"/>
+            <a:ext cx="8229600" cy="4326961"/>
           </a:xfrm>
           <a:prstGeom prst="rect">
             <a:avLst/>
@@ -5653,20 +6377,18 @@
         </p:nvSpPr>
         <p:spPr/>
         <p:txBody>
-          <a:bodyPr/>
-          <a:lstStyle/>
-          <a:p>
+          <a:bodyPr>
+            <a:normAutofit fontScale="90000"/>
+          </a:bodyPr>
+          <a:lstStyle/>
+          <a:p>
+            <a:r>
+              <a:rPr lang="tr-TR" dirty="0" smtClean="0"/>
+              <a:t>600rpm no </a:t>
+            </a:r>
             <a:r>
               <a:rPr lang="tr-TR" dirty="0" err="1" smtClean="0"/>
-              <a:t>Grid</a:t>
-            </a:r>
-            <a:r>
-              <a:rPr lang="tr-TR" dirty="0" smtClean="0"/>
-              <a:t> + </a:t>
-            </a:r>
-            <a:r>
-              <a:rPr lang="tr-TR" dirty="0" err="1" smtClean="0"/>
-              <a:t>Driver</a:t>
+              <a:t>load</a:t>
             </a:r>
             <a:r>
               <a:rPr lang="tr-TR" dirty="0" smtClean="0"/>
@@ -5674,7 +6396,23 @@
             </a:r>
             <a:r>
               <a:rPr lang="tr-TR" dirty="0" err="1" smtClean="0"/>
-              <a:t>noise</a:t>
+              <a:t>with</a:t>
+            </a:r>
+            <a:r>
+              <a:rPr lang="tr-TR" dirty="0" smtClean="0"/>
+              <a:t> </a:t>
+            </a:r>
+            <a:r>
+              <a:rPr lang="tr-TR" dirty="0" err="1" smtClean="0"/>
+              <a:t>starting</a:t>
+            </a:r>
+            <a:r>
+              <a:rPr lang="tr-TR" dirty="0" smtClean="0"/>
+              <a:t> </a:t>
+            </a:r>
+            <a:r>
+              <a:rPr lang="tr-TR" dirty="0" err="1" smtClean="0"/>
+              <a:t>currents</a:t>
             </a:r>
             <a:endParaRPr lang="tr-TR" dirty="0"/>
           </a:p>
@@ -5682,12 +6420,12 @@
       </p:sp>
       <p:pic>
         <p:nvPicPr>
-          <p:cNvPr id="2050" name="Picture 2"/>
+          <p:cNvPr id="1026" name="Picture 2"/>
           <p:cNvPicPr>
             <a:picLocks noGrp="1" noChangeAspect="1" noChangeArrowheads="1"/>
           </p:cNvPicPr>
           <p:nvPr>
-            <p:ph idx="1"/>
+            <p:ph sz="half" idx="1"/>
           </p:nvPr>
         </p:nvPicPr>
         <p:blipFill>
@@ -5699,8 +6437,8 @@
         </p:blipFill>
         <p:spPr bwMode="auto">
           <a:xfrm>
-            <a:off x="457200" y="1861108"/>
-            <a:ext cx="8229600" cy="4004146"/>
+            <a:off x="107504" y="2060848"/>
+            <a:ext cx="8892379" cy="3114728"/>
           </a:xfrm>
           <a:prstGeom prst="rect">
             <a:avLst/>
